--- a/ProjektPython/Prezentacja/prezentacja.pptx
+++ b/ProjektPython/Prezentacja/prezentacja.pptx
@@ -23,15 +23,16 @@
     <p:sldId id="277" r:id="rId17"/>
     <p:sldId id="279" r:id="rId18"/>
     <p:sldId id="280" r:id="rId19"/>
-    <p:sldId id="281" r:id="rId20"/>
-    <p:sldId id="267" r:id="rId21"/>
-    <p:sldId id="282" r:id="rId22"/>
-    <p:sldId id="269" r:id="rId23"/>
-    <p:sldId id="283" r:id="rId24"/>
-    <p:sldId id="284" r:id="rId25"/>
-    <p:sldId id="285" r:id="rId26"/>
-    <p:sldId id="286" r:id="rId27"/>
-    <p:sldId id="287" r:id="rId28"/>
+    <p:sldId id="288" r:id="rId20"/>
+    <p:sldId id="281" r:id="rId21"/>
+    <p:sldId id="267" r:id="rId22"/>
+    <p:sldId id="282" r:id="rId23"/>
+    <p:sldId id="269" r:id="rId24"/>
+    <p:sldId id="283" r:id="rId25"/>
+    <p:sldId id="284" r:id="rId26"/>
+    <p:sldId id="285" r:id="rId27"/>
+    <p:sldId id="286" r:id="rId28"/>
+    <p:sldId id="287" r:id="rId29"/>
   </p:sldIdLst>
   <p:sldSz cx="12192000" cy="6858000"/>
   <p:notesSz cx="6858000" cy="9144000"/>
@@ -180,7 +181,7 @@
           </a:lstStyle>
           <a:p>
             <a:r>
-              <a:rPr lang="en-US" smtClean="0"/>
+              <a:rPr lang="en-US"/>
               <a:t>Click to edit Master title style</a:t>
             </a:r>
             <a:endParaRPr lang="en-US" dirty="0"/>
@@ -300,7 +301,7 @@
           </a:lstStyle>
           <a:p>
             <a:r>
-              <a:rPr lang="en-US" smtClean="0"/>
+              <a:rPr lang="en-US"/>
               <a:t>Click to edit Master subtitle style</a:t>
             </a:r>
             <a:endParaRPr lang="en-US" dirty="0"/>
@@ -324,7 +325,7 @@
           <a:p>
             <a:fld id="{4AAD347D-5ACD-4C99-B74B-A9C85AD731AF}" type="datetimeFigureOut">
               <a:rPr lang="en-US" dirty="0"/>
-              <a:t>6/12/2019</a:t>
+              <a:t>6/14/2019</a:t>
             </a:fld>
             <a:endParaRPr lang="en-US" dirty="0"/>
           </a:p>
@@ -424,7 +425,7 @@
           </a:lstStyle>
           <a:p>
             <a:r>
-              <a:rPr lang="en-US" smtClean="0"/>
+              <a:rPr lang="en-US"/>
               <a:t>Click to edit Master title style</a:t>
             </a:r>
             <a:endParaRPr lang="en-US" dirty="0"/>
@@ -503,7 +504,7 @@
           </a:lstStyle>
           <a:p>
             <a:r>
-              <a:rPr lang="en-US" smtClean="0"/>
+              <a:rPr lang="en-US"/>
               <a:t>Click icon to add picture</a:t>
             </a:r>
             <a:endParaRPr lang="en-US" dirty="0"/>
@@ -571,7 +572,7 @@
           <a:p>
             <a:pPr lvl="0"/>
             <a:r>
-              <a:rPr lang="en-US" smtClean="0"/>
+              <a:rPr lang="en-US"/>
               <a:t>Click to edit Master text styles</a:t>
             </a:r>
           </a:p>
@@ -594,7 +595,7 @@
           <a:p>
             <a:fld id="{4509A250-FF31-4206-8172-F9D3106AACB1}" type="datetimeFigureOut">
               <a:rPr lang="en-US" dirty="0"/>
-              <a:t>6/12/2019</a:t>
+              <a:t>6/14/2019</a:t>
             </a:fld>
             <a:endParaRPr lang="en-US" dirty="0"/>
           </a:p>
@@ -692,7 +693,7 @@
           </a:lstStyle>
           <a:p>
             <a:r>
-              <a:rPr lang="en-US" smtClean="0"/>
+              <a:rPr lang="en-US"/>
               <a:t>Click to edit Master title style</a:t>
             </a:r>
             <a:endParaRPr lang="en-US" dirty="0"/>
@@ -760,7 +761,7 @@
           <a:p>
             <a:pPr lvl="0"/>
             <a:r>
-              <a:rPr lang="en-US" smtClean="0"/>
+              <a:rPr lang="en-US"/>
               <a:t>Click to edit Master text styles</a:t>
             </a:r>
           </a:p>
@@ -783,7 +784,7 @@
           <a:p>
             <a:fld id="{4509A250-FF31-4206-8172-F9D3106AACB1}" type="datetimeFigureOut">
               <a:rPr lang="en-US" dirty="0"/>
-              <a:t>6/12/2019</a:t>
+              <a:t>6/14/2019</a:t>
             </a:fld>
             <a:endParaRPr lang="en-US" dirty="0"/>
           </a:p>
@@ -881,7 +882,7 @@
           </a:lstStyle>
           <a:p>
             <a:r>
-              <a:rPr lang="en-US" smtClean="0"/>
+              <a:rPr lang="en-US"/>
               <a:t>Click to edit Master title style</a:t>
             </a:r>
             <a:endParaRPr lang="en-US" dirty="0"/>
@@ -961,7 +962,7 @@
               <a:buNone/>
             </a:pPr>
             <a:r>
-              <a:rPr lang="en-US" smtClean="0"/>
+              <a:rPr lang="en-US"/>
               <a:t>Click to edit Master text styles</a:t>
             </a:r>
           </a:p>
@@ -1028,7 +1029,7 @@
           <a:p>
             <a:pPr lvl="0"/>
             <a:r>
-              <a:rPr lang="en-US" smtClean="0"/>
+              <a:rPr lang="en-US"/>
               <a:t>Click to edit Master text styles</a:t>
             </a:r>
           </a:p>
@@ -1051,7 +1052,7 @@
           <a:p>
             <a:fld id="{4509A250-FF31-4206-8172-F9D3106AACB1}" type="datetimeFigureOut">
               <a:rPr lang="en-US" dirty="0"/>
-              <a:t>6/12/2019</a:t>
+              <a:t>6/14/2019</a:t>
             </a:fld>
             <a:endParaRPr lang="en-US" dirty="0"/>
           </a:p>
@@ -1243,7 +1244,7 @@
           </a:lstStyle>
           <a:p>
             <a:r>
-              <a:rPr lang="en-US" smtClean="0"/>
+              <a:rPr lang="en-US"/>
               <a:t>Click to edit Master title style</a:t>
             </a:r>
             <a:endParaRPr lang="en-US" dirty="0"/>
@@ -1364,7 +1365,7 @@
           <a:p>
             <a:pPr lvl="0"/>
             <a:r>
-              <a:rPr lang="en-US" smtClean="0"/>
+              <a:rPr lang="en-US"/>
               <a:t>Click to edit Master text styles</a:t>
             </a:r>
           </a:p>
@@ -1387,7 +1388,7 @@
           <a:p>
             <a:fld id="{4509A250-FF31-4206-8172-F9D3106AACB1}" type="datetimeFigureOut">
               <a:rPr lang="en-US" dirty="0"/>
-              <a:t>6/12/2019</a:t>
+              <a:t>6/14/2019</a:t>
             </a:fld>
             <a:endParaRPr lang="en-US" dirty="0"/>
           </a:p>
@@ -1480,7 +1481,7 @@
           </a:lstStyle>
           <a:p>
             <a:r>
-              <a:rPr lang="en-US" smtClean="0"/>
+              <a:rPr lang="en-US"/>
               <a:t>Click to edit Master title style</a:t>
             </a:r>
             <a:endParaRPr lang="en-US" dirty="0"/>
@@ -1555,7 +1556,7 @@
           <a:p>
             <a:pPr lvl="0"/>
             <a:r>
-              <a:rPr lang="en-US" smtClean="0"/>
+              <a:rPr lang="en-US"/>
               <a:t>Click to edit Master text styles</a:t>
             </a:r>
           </a:p>
@@ -1622,7 +1623,7 @@
           <a:p>
             <a:pPr lvl="0"/>
             <a:r>
-              <a:rPr lang="en-US" smtClean="0"/>
+              <a:rPr lang="en-US"/>
               <a:t>Click to edit Master text styles</a:t>
             </a:r>
           </a:p>
@@ -1696,7 +1697,7 @@
           <a:p>
             <a:pPr lvl="0"/>
             <a:r>
-              <a:rPr lang="en-US" smtClean="0"/>
+              <a:rPr lang="en-US"/>
               <a:t>Click to edit Master text styles</a:t>
             </a:r>
           </a:p>
@@ -1763,7 +1764,7 @@
           <a:p>
             <a:pPr lvl="0"/>
             <a:r>
-              <a:rPr lang="en-US" smtClean="0"/>
+              <a:rPr lang="en-US"/>
               <a:t>Click to edit Master text styles</a:t>
             </a:r>
           </a:p>
@@ -1837,7 +1838,7 @@
           <a:p>
             <a:pPr lvl="0"/>
             <a:r>
-              <a:rPr lang="en-US" smtClean="0"/>
+              <a:rPr lang="en-US"/>
               <a:t>Click to edit Master text styles</a:t>
             </a:r>
           </a:p>
@@ -1904,7 +1905,7 @@
           <a:p>
             <a:pPr lvl="0"/>
             <a:r>
-              <a:rPr lang="en-US" smtClean="0"/>
+              <a:rPr lang="en-US"/>
               <a:t>Click to edit Master text styles</a:t>
             </a:r>
           </a:p>
@@ -2005,7 +2006,7 @@
           <a:p>
             <a:fld id="{4509A250-FF31-4206-8172-F9D3106AACB1}" type="datetimeFigureOut">
               <a:rPr lang="en-US" dirty="0"/>
-              <a:t>6/12/2019</a:t>
+              <a:t>6/14/2019</a:t>
             </a:fld>
             <a:endParaRPr lang="en-US" dirty="0"/>
           </a:p>
@@ -2098,7 +2099,7 @@
           </a:lstStyle>
           <a:p>
             <a:r>
-              <a:rPr lang="en-US" smtClean="0"/>
+              <a:rPr lang="en-US"/>
               <a:t>Click to edit Master title style</a:t>
             </a:r>
             <a:endParaRPr lang="en-US" dirty="0"/>
@@ -2173,7 +2174,7 @@
           <a:p>
             <a:pPr lvl="0"/>
             <a:r>
-              <a:rPr lang="en-US" smtClean="0"/>
+              <a:rPr lang="en-US"/>
               <a:t>Click to edit Master text styles</a:t>
             </a:r>
           </a:p>
@@ -2251,7 +2252,7 @@
           </a:lstStyle>
           <a:p>
             <a:r>
-              <a:rPr lang="en-US" smtClean="0"/>
+              <a:rPr lang="en-US"/>
               <a:t>Click icon to add picture</a:t>
             </a:r>
             <a:endParaRPr lang="en-US" dirty="0"/>
@@ -2319,7 +2320,7 @@
           <a:p>
             <a:pPr lvl="0"/>
             <a:r>
-              <a:rPr lang="en-US" smtClean="0"/>
+              <a:rPr lang="en-US"/>
               <a:t>Click to edit Master text styles</a:t>
             </a:r>
           </a:p>
@@ -2393,7 +2394,7 @@
           <a:p>
             <a:pPr lvl="0"/>
             <a:r>
-              <a:rPr lang="en-US" smtClean="0"/>
+              <a:rPr lang="en-US"/>
               <a:t>Click to edit Master text styles</a:t>
             </a:r>
           </a:p>
@@ -2471,7 +2472,7 @@
           </a:lstStyle>
           <a:p>
             <a:r>
-              <a:rPr lang="en-US" smtClean="0"/>
+              <a:rPr lang="en-US"/>
               <a:t>Click icon to add picture</a:t>
             </a:r>
             <a:endParaRPr lang="en-US" dirty="0"/>
@@ -2539,7 +2540,7 @@
           <a:p>
             <a:pPr lvl="0"/>
             <a:r>
-              <a:rPr lang="en-US" smtClean="0"/>
+              <a:rPr lang="en-US"/>
               <a:t>Click to edit Master text styles</a:t>
             </a:r>
           </a:p>
@@ -2613,7 +2614,7 @@
           <a:p>
             <a:pPr lvl="0"/>
             <a:r>
-              <a:rPr lang="en-US" smtClean="0"/>
+              <a:rPr lang="en-US"/>
               <a:t>Click to edit Master text styles</a:t>
             </a:r>
           </a:p>
@@ -2691,7 +2692,7 @@
           </a:lstStyle>
           <a:p>
             <a:r>
-              <a:rPr lang="en-US" smtClean="0"/>
+              <a:rPr lang="en-US"/>
               <a:t>Click icon to add picture</a:t>
             </a:r>
             <a:endParaRPr lang="en-US" dirty="0"/>
@@ -2759,7 +2760,7 @@
           <a:p>
             <a:pPr lvl="0"/>
             <a:r>
-              <a:rPr lang="en-US" smtClean="0"/>
+              <a:rPr lang="en-US"/>
               <a:t>Click to edit Master text styles</a:t>
             </a:r>
           </a:p>
@@ -2860,7 +2861,7 @@
           <a:p>
             <a:fld id="{4509A250-FF31-4206-8172-F9D3106AACB1}" type="datetimeFigureOut">
               <a:rPr lang="en-US" dirty="0"/>
-              <a:t>6/12/2019</a:t>
+              <a:t>6/14/2019</a:t>
             </a:fld>
             <a:endParaRPr lang="en-US" dirty="0"/>
           </a:p>
@@ -2949,7 +2950,7 @@
           <a:lstStyle/>
           <a:p>
             <a:r>
-              <a:rPr lang="en-US" smtClean="0"/>
+              <a:rPr lang="en-US"/>
               <a:t>Click to edit Master title style</a:t>
             </a:r>
             <a:endParaRPr lang="en-US" dirty="0"/>
@@ -2973,35 +2974,35 @@
           <a:p>
             <a:pPr lvl="0"/>
             <a:r>
-              <a:rPr lang="en-US" smtClean="0"/>
+              <a:rPr lang="en-US"/>
               <a:t>Click to edit Master text styles</a:t>
             </a:r>
           </a:p>
           <a:p>
             <a:pPr lvl="1"/>
             <a:r>
-              <a:rPr lang="en-US" smtClean="0"/>
+              <a:rPr lang="en-US"/>
               <a:t>Second level</a:t>
             </a:r>
           </a:p>
           <a:p>
             <a:pPr lvl="2"/>
             <a:r>
-              <a:rPr lang="en-US" smtClean="0"/>
+              <a:rPr lang="en-US"/>
               <a:t>Third level</a:t>
             </a:r>
           </a:p>
           <a:p>
             <a:pPr lvl="3"/>
             <a:r>
-              <a:rPr lang="en-US" smtClean="0"/>
+              <a:rPr lang="en-US"/>
               <a:t>Fourth level</a:t>
             </a:r>
           </a:p>
           <a:p>
             <a:pPr lvl="4"/>
             <a:r>
-              <a:rPr lang="en-US" smtClean="0"/>
+              <a:rPr lang="en-US"/>
               <a:t>Fifth level</a:t>
             </a:r>
             <a:endParaRPr lang="en-US" dirty="0"/>
@@ -3025,7 +3026,7 @@
           <a:p>
             <a:fld id="{4509A250-FF31-4206-8172-F9D3106AACB1}" type="datetimeFigureOut">
               <a:rPr lang="en-US" dirty="0"/>
-              <a:t>6/12/2019</a:t>
+              <a:t>6/14/2019</a:t>
             </a:fld>
             <a:endParaRPr lang="en-US" dirty="0"/>
           </a:p>
@@ -3119,7 +3120,7 @@
           <a:lstStyle/>
           <a:p>
             <a:r>
-              <a:rPr lang="en-US" smtClean="0"/>
+              <a:rPr lang="en-US"/>
               <a:t>Click to edit Master title style</a:t>
             </a:r>
             <a:endParaRPr lang="en-US" dirty="0"/>
@@ -3148,35 +3149,35 @@
           <a:p>
             <a:pPr lvl="0"/>
             <a:r>
-              <a:rPr lang="en-US" smtClean="0"/>
+              <a:rPr lang="en-US"/>
               <a:t>Click to edit Master text styles</a:t>
             </a:r>
           </a:p>
           <a:p>
             <a:pPr lvl="1"/>
             <a:r>
-              <a:rPr lang="en-US" smtClean="0"/>
+              <a:rPr lang="en-US"/>
               <a:t>Second level</a:t>
             </a:r>
           </a:p>
           <a:p>
             <a:pPr lvl="2"/>
             <a:r>
-              <a:rPr lang="en-US" smtClean="0"/>
+              <a:rPr lang="en-US"/>
               <a:t>Third level</a:t>
             </a:r>
           </a:p>
           <a:p>
             <a:pPr lvl="3"/>
             <a:r>
-              <a:rPr lang="en-US" smtClean="0"/>
+              <a:rPr lang="en-US"/>
               <a:t>Fourth level</a:t>
             </a:r>
           </a:p>
           <a:p>
             <a:pPr lvl="4"/>
             <a:r>
-              <a:rPr lang="en-US" smtClean="0"/>
+              <a:rPr lang="en-US"/>
               <a:t>Fifth level</a:t>
             </a:r>
             <a:endParaRPr lang="en-US" dirty="0"/>
@@ -3200,7 +3201,7 @@
           <a:p>
             <a:fld id="{4509A250-FF31-4206-8172-F9D3106AACB1}" type="datetimeFigureOut">
               <a:rPr lang="en-US" dirty="0"/>
-              <a:t>6/12/2019</a:t>
+              <a:t>6/14/2019</a:t>
             </a:fld>
             <a:endParaRPr lang="en-US" dirty="0"/>
           </a:p>
@@ -3289,7 +3290,7 @@
           <a:lstStyle/>
           <a:p>
             <a:r>
-              <a:rPr lang="en-US" smtClean="0"/>
+              <a:rPr lang="en-US"/>
               <a:t>Click to edit Master title style</a:t>
             </a:r>
             <a:endParaRPr lang="en-US" dirty="0"/>
@@ -3313,35 +3314,35 @@
           <a:p>
             <a:pPr lvl="0"/>
             <a:r>
-              <a:rPr lang="en-US" smtClean="0"/>
+              <a:rPr lang="en-US"/>
               <a:t>Click to edit Master text styles</a:t>
             </a:r>
           </a:p>
           <a:p>
             <a:pPr lvl="1"/>
             <a:r>
-              <a:rPr lang="en-US" smtClean="0"/>
+              <a:rPr lang="en-US"/>
               <a:t>Second level</a:t>
             </a:r>
           </a:p>
           <a:p>
             <a:pPr lvl="2"/>
             <a:r>
-              <a:rPr lang="en-US" smtClean="0"/>
+              <a:rPr lang="en-US"/>
               <a:t>Third level</a:t>
             </a:r>
           </a:p>
           <a:p>
             <a:pPr lvl="3"/>
             <a:r>
-              <a:rPr lang="en-US" smtClean="0"/>
+              <a:rPr lang="en-US"/>
               <a:t>Fourth level</a:t>
             </a:r>
           </a:p>
           <a:p>
             <a:pPr lvl="4"/>
             <a:r>
-              <a:rPr lang="en-US" smtClean="0"/>
+              <a:rPr lang="en-US"/>
               <a:t>Fifth level</a:t>
             </a:r>
             <a:endParaRPr lang="en-US" dirty="0"/>
@@ -3365,7 +3366,7 @@
           <a:p>
             <a:fld id="{4509A250-FF31-4206-8172-F9D3106AACB1}" type="datetimeFigureOut">
               <a:rPr lang="en-US" dirty="0"/>
-              <a:t>6/12/2019</a:t>
+              <a:t>6/14/2019</a:t>
             </a:fld>
             <a:endParaRPr lang="en-US" dirty="0"/>
           </a:p>
@@ -3463,7 +3464,7 @@
           </a:lstStyle>
           <a:p>
             <a:r>
-              <a:rPr lang="en-US" smtClean="0"/>
+              <a:rPr lang="en-US"/>
               <a:t>Click to edit Master title style</a:t>
             </a:r>
             <a:endParaRPr lang="en-US" dirty="0"/>
@@ -3584,7 +3585,7 @@
           <a:p>
             <a:pPr lvl="0"/>
             <a:r>
-              <a:rPr lang="en-US" smtClean="0"/>
+              <a:rPr lang="en-US"/>
               <a:t>Click to edit Master text styles</a:t>
             </a:r>
           </a:p>
@@ -3607,7 +3608,7 @@
           <a:p>
             <a:fld id="{9796027F-7875-4030-9381-8BD8C4F21935}" type="datetimeFigureOut">
               <a:rPr lang="en-US" dirty="0"/>
-              <a:t>6/12/2019</a:t>
+              <a:t>6/14/2019</a:t>
             </a:fld>
             <a:endParaRPr lang="en-US" dirty="0"/>
           </a:p>
@@ -3696,7 +3697,7 @@
           <a:lstStyle/>
           <a:p>
             <a:r>
-              <a:rPr lang="en-US" smtClean="0"/>
+              <a:rPr lang="en-US"/>
               <a:t>Click to edit Master title style</a:t>
             </a:r>
             <a:endParaRPr lang="en-US" dirty="0"/>
@@ -3755,35 +3756,35 @@
           <a:p>
             <a:pPr lvl="0"/>
             <a:r>
-              <a:rPr lang="en-US" smtClean="0"/>
+              <a:rPr lang="en-US"/>
               <a:t>Click to edit Master text styles</a:t>
             </a:r>
           </a:p>
           <a:p>
             <a:pPr lvl="1"/>
             <a:r>
-              <a:rPr lang="en-US" smtClean="0"/>
+              <a:rPr lang="en-US"/>
               <a:t>Second level</a:t>
             </a:r>
           </a:p>
           <a:p>
             <a:pPr lvl="2"/>
             <a:r>
-              <a:rPr lang="en-US" smtClean="0"/>
+              <a:rPr lang="en-US"/>
               <a:t>Third level</a:t>
             </a:r>
           </a:p>
           <a:p>
             <a:pPr lvl="3"/>
             <a:r>
-              <a:rPr lang="en-US" smtClean="0"/>
+              <a:rPr lang="en-US"/>
               <a:t>Fourth level</a:t>
             </a:r>
           </a:p>
           <a:p>
             <a:pPr lvl="4"/>
             <a:r>
-              <a:rPr lang="en-US" smtClean="0"/>
+              <a:rPr lang="en-US"/>
               <a:t>Fifth level</a:t>
             </a:r>
             <a:endParaRPr lang="en-US" dirty="0"/>
@@ -3842,35 +3843,35 @@
           <a:p>
             <a:pPr lvl="0"/>
             <a:r>
-              <a:rPr lang="en-US" smtClean="0"/>
+              <a:rPr lang="en-US"/>
               <a:t>Click to edit Master text styles</a:t>
             </a:r>
           </a:p>
           <a:p>
             <a:pPr lvl="1"/>
             <a:r>
-              <a:rPr lang="en-US" smtClean="0"/>
+              <a:rPr lang="en-US"/>
               <a:t>Second level</a:t>
             </a:r>
           </a:p>
           <a:p>
             <a:pPr lvl="2"/>
             <a:r>
-              <a:rPr lang="en-US" smtClean="0"/>
+              <a:rPr lang="en-US"/>
               <a:t>Third level</a:t>
             </a:r>
           </a:p>
           <a:p>
             <a:pPr lvl="3"/>
             <a:r>
-              <a:rPr lang="en-US" smtClean="0"/>
+              <a:rPr lang="en-US"/>
               <a:t>Fourth level</a:t>
             </a:r>
           </a:p>
           <a:p>
             <a:pPr lvl="4"/>
             <a:r>
-              <a:rPr lang="en-US" smtClean="0"/>
+              <a:rPr lang="en-US"/>
               <a:t>Fifth level</a:t>
             </a:r>
             <a:endParaRPr lang="en-US" dirty="0"/>
@@ -3894,7 +3895,7 @@
           <a:p>
             <a:fld id="{9796027F-7875-4030-9381-8BD8C4F21935}" type="datetimeFigureOut">
               <a:rPr lang="en-US" dirty="0"/>
-              <a:t>6/12/2019</a:t>
+              <a:t>6/14/2019</a:t>
             </a:fld>
             <a:endParaRPr lang="en-US" dirty="0"/>
           </a:p>
@@ -3987,7 +3988,7 @@
           </a:lstStyle>
           <a:p>
             <a:r>
-              <a:rPr lang="en-US" smtClean="0"/>
+              <a:rPr lang="en-US"/>
               <a:t>Click to edit Master title style</a:t>
             </a:r>
             <a:endParaRPr lang="en-US" dirty="0"/>
@@ -4062,7 +4063,7 @@
           <a:p>
             <a:pPr lvl="0"/>
             <a:r>
-              <a:rPr lang="en-US" smtClean="0"/>
+              <a:rPr lang="en-US"/>
               <a:t>Click to edit Master text styles</a:t>
             </a:r>
           </a:p>
@@ -4120,35 +4121,35 @@
           <a:p>
             <a:pPr lvl="0"/>
             <a:r>
-              <a:rPr lang="en-US" smtClean="0"/>
+              <a:rPr lang="en-US"/>
               <a:t>Click to edit Master text styles</a:t>
             </a:r>
           </a:p>
           <a:p>
             <a:pPr lvl="1"/>
             <a:r>
-              <a:rPr lang="en-US" smtClean="0"/>
+              <a:rPr lang="en-US"/>
               <a:t>Second level</a:t>
             </a:r>
           </a:p>
           <a:p>
             <a:pPr lvl="2"/>
             <a:r>
-              <a:rPr lang="en-US" smtClean="0"/>
+              <a:rPr lang="en-US"/>
               <a:t>Third level</a:t>
             </a:r>
           </a:p>
           <a:p>
             <a:pPr lvl="3"/>
             <a:r>
-              <a:rPr lang="en-US" smtClean="0"/>
+              <a:rPr lang="en-US"/>
               <a:t>Fourth level</a:t>
             </a:r>
           </a:p>
           <a:p>
             <a:pPr lvl="4"/>
             <a:r>
-              <a:rPr lang="en-US" smtClean="0"/>
+              <a:rPr lang="en-US"/>
               <a:t>Fifth level</a:t>
             </a:r>
             <a:endParaRPr lang="en-US" dirty="0"/>
@@ -4223,7 +4224,7 @@
           <a:p>
             <a:pPr lvl="0"/>
             <a:r>
-              <a:rPr lang="en-US" smtClean="0"/>
+              <a:rPr lang="en-US"/>
               <a:t>Click to edit Master text styles</a:t>
             </a:r>
           </a:p>
@@ -4281,35 +4282,35 @@
           <a:p>
             <a:pPr lvl="0"/>
             <a:r>
-              <a:rPr lang="en-US" smtClean="0"/>
+              <a:rPr lang="en-US"/>
               <a:t>Click to edit Master text styles</a:t>
             </a:r>
           </a:p>
           <a:p>
             <a:pPr lvl="1"/>
             <a:r>
-              <a:rPr lang="en-US" smtClean="0"/>
+              <a:rPr lang="en-US"/>
               <a:t>Second level</a:t>
             </a:r>
           </a:p>
           <a:p>
             <a:pPr lvl="2"/>
             <a:r>
-              <a:rPr lang="en-US" smtClean="0"/>
+              <a:rPr lang="en-US"/>
               <a:t>Third level</a:t>
             </a:r>
           </a:p>
           <a:p>
             <a:pPr lvl="3"/>
             <a:r>
-              <a:rPr lang="en-US" smtClean="0"/>
+              <a:rPr lang="en-US"/>
               <a:t>Fourth level</a:t>
             </a:r>
           </a:p>
           <a:p>
             <a:pPr lvl="4"/>
             <a:r>
-              <a:rPr lang="en-US" smtClean="0"/>
+              <a:rPr lang="en-US"/>
               <a:t>Fifth level</a:t>
             </a:r>
             <a:endParaRPr lang="en-US" dirty="0"/>
@@ -4333,7 +4334,7 @@
           <a:p>
             <a:fld id="{9796027F-7875-4030-9381-8BD8C4F21935}" type="datetimeFigureOut">
               <a:rPr lang="en-US" dirty="0"/>
-              <a:t>6/12/2019</a:t>
+              <a:t>6/14/2019</a:t>
             </a:fld>
             <a:endParaRPr lang="en-US" dirty="0"/>
           </a:p>
@@ -4422,7 +4423,7 @@
           <a:lstStyle/>
           <a:p>
             <a:r>
-              <a:rPr lang="en-US" smtClean="0"/>
+              <a:rPr lang="en-US"/>
               <a:t>Click to edit Master title style</a:t>
             </a:r>
             <a:endParaRPr lang="en-US" dirty="0"/>
@@ -4446,7 +4447,7 @@
           <a:p>
             <a:fld id="{4509A250-FF31-4206-8172-F9D3106AACB1}" type="datetimeFigureOut">
               <a:rPr lang="en-US" dirty="0"/>
-              <a:t>6/12/2019</a:t>
+              <a:t>6/14/2019</a:t>
             </a:fld>
             <a:endParaRPr lang="en-US" dirty="0"/>
           </a:p>
@@ -4536,7 +4537,7 @@
           <a:p>
             <a:fld id="{4509A250-FF31-4206-8172-F9D3106AACB1}" type="datetimeFigureOut">
               <a:rPr lang="en-US" dirty="0"/>
-              <a:t>6/12/2019</a:t>
+              <a:t>6/14/2019</a:t>
             </a:fld>
             <a:endParaRPr lang="en-US" dirty="0"/>
           </a:p>
@@ -4634,7 +4635,7 @@
           </a:lstStyle>
           <a:p>
             <a:r>
-              <a:rPr lang="en-US" smtClean="0"/>
+              <a:rPr lang="en-US"/>
               <a:t>Click to edit Master title style</a:t>
             </a:r>
             <a:endParaRPr lang="en-US" dirty="0"/>
@@ -4693,35 +4694,35 @@
           <a:p>
             <a:pPr lvl="0"/>
             <a:r>
-              <a:rPr lang="en-US" smtClean="0"/>
+              <a:rPr lang="en-US"/>
               <a:t>Click to edit Master text styles</a:t>
             </a:r>
           </a:p>
           <a:p>
             <a:pPr lvl="1"/>
             <a:r>
-              <a:rPr lang="en-US" smtClean="0"/>
+              <a:rPr lang="en-US"/>
               <a:t>Second level</a:t>
             </a:r>
           </a:p>
           <a:p>
             <a:pPr lvl="2"/>
             <a:r>
-              <a:rPr lang="en-US" smtClean="0"/>
+              <a:rPr lang="en-US"/>
               <a:t>Third level</a:t>
             </a:r>
           </a:p>
           <a:p>
             <a:pPr lvl="3"/>
             <a:r>
-              <a:rPr lang="en-US" smtClean="0"/>
+              <a:rPr lang="en-US"/>
               <a:t>Fourth level</a:t>
             </a:r>
           </a:p>
           <a:p>
             <a:pPr lvl="4"/>
             <a:r>
-              <a:rPr lang="en-US" smtClean="0"/>
+              <a:rPr lang="en-US"/>
               <a:t>Fifth level</a:t>
             </a:r>
             <a:endParaRPr lang="en-US" dirty="0"/>
@@ -4787,7 +4788,7 @@
           <a:p>
             <a:pPr lvl="0"/>
             <a:r>
-              <a:rPr lang="en-US" smtClean="0"/>
+              <a:rPr lang="en-US"/>
               <a:t>Click to edit Master text styles</a:t>
             </a:r>
           </a:p>
@@ -4810,7 +4811,7 @@
           <a:p>
             <a:fld id="{4509A250-FF31-4206-8172-F9D3106AACB1}" type="datetimeFigureOut">
               <a:rPr lang="en-US" dirty="0"/>
-              <a:t>6/12/2019</a:t>
+              <a:t>6/14/2019</a:t>
             </a:fld>
             <a:endParaRPr lang="en-US" dirty="0"/>
           </a:p>
@@ -4910,7 +4911,7 @@
           </a:lstStyle>
           <a:p>
             <a:r>
-              <a:rPr lang="en-US" smtClean="0"/>
+              <a:rPr lang="en-US"/>
               <a:t>Click to edit Master title style</a:t>
             </a:r>
             <a:endParaRPr lang="en-US" dirty="0"/>
@@ -4989,7 +4990,7 @@
           </a:lstStyle>
           <a:p>
             <a:r>
-              <a:rPr lang="en-US" smtClean="0"/>
+              <a:rPr lang="en-US"/>
               <a:t>Click icon to add picture</a:t>
             </a:r>
             <a:endParaRPr lang="en-US" dirty="0"/>
@@ -5057,7 +5058,7 @@
           <a:p>
             <a:pPr lvl="0"/>
             <a:r>
-              <a:rPr lang="en-US" smtClean="0"/>
+              <a:rPr lang="en-US"/>
               <a:t>Click to edit Master text styles</a:t>
             </a:r>
           </a:p>
@@ -5080,7 +5081,7 @@
           <a:p>
             <a:fld id="{4509A250-FF31-4206-8172-F9D3106AACB1}" type="datetimeFigureOut">
               <a:rPr lang="en-US" dirty="0"/>
-              <a:t>6/12/2019</a:t>
+              <a:t>6/14/2019</a:t>
             </a:fld>
             <a:endParaRPr lang="en-US" dirty="0"/>
           </a:p>
@@ -5399,7 +5400,7 @@
           <a:lstStyle/>
           <a:p>
             <a:r>
-              <a:rPr lang="en-US" smtClean="0"/>
+              <a:rPr lang="en-US"/>
               <a:t>Click to edit Master title style</a:t>
             </a:r>
             <a:endParaRPr lang="en-US" dirty="0"/>
@@ -5433,35 +5434,35 @@
           <a:p>
             <a:pPr lvl="0"/>
             <a:r>
-              <a:rPr lang="en-US" smtClean="0"/>
+              <a:rPr lang="en-US"/>
               <a:t>Click to edit Master text styles</a:t>
             </a:r>
           </a:p>
           <a:p>
             <a:pPr lvl="1"/>
             <a:r>
-              <a:rPr lang="en-US" smtClean="0"/>
+              <a:rPr lang="en-US"/>
               <a:t>Second level</a:t>
             </a:r>
           </a:p>
           <a:p>
             <a:pPr lvl="2"/>
             <a:r>
-              <a:rPr lang="en-US" smtClean="0"/>
+              <a:rPr lang="en-US"/>
               <a:t>Third level</a:t>
             </a:r>
           </a:p>
           <a:p>
             <a:pPr lvl="3"/>
             <a:r>
-              <a:rPr lang="en-US" smtClean="0"/>
+              <a:rPr lang="en-US"/>
               <a:t>Fourth level</a:t>
             </a:r>
           </a:p>
           <a:p>
             <a:pPr lvl="4"/>
             <a:r>
-              <a:rPr lang="en-US" smtClean="0"/>
+              <a:rPr lang="en-US"/>
               <a:t>Fifth level</a:t>
             </a:r>
             <a:endParaRPr lang="en-US" dirty="0"/>
@@ -5504,7 +5505,7 @@
           <a:p>
             <a:fld id="{4AAD347D-5ACD-4C99-B74B-A9C85AD731AF}" type="datetimeFigureOut">
               <a:rPr lang="en-US" dirty="0"/>
-              <a:t>6/12/2019</a:t>
+              <a:t>6/14/2019</a:t>
             </a:fld>
             <a:endParaRPr lang="en-US" dirty="0"/>
           </a:p>
@@ -6051,26 +6052,18 @@
             <a:pPr algn="ctr"/>
             <a:r>
               <a:rPr lang="en-US" sz="4400" dirty="0"/>
-              <a:t>Women’s </a:t>
-            </a:r>
-            <a:r>
-              <a:rPr lang="en-US" sz="4400" dirty="0" smtClean="0"/>
-              <a:t>Clothing</a:t>
-            </a:r>
-            <a:r>
-              <a:rPr lang="pl-PL" sz="4400" dirty="0" smtClean="0"/>
+              <a:t>Women’s Clothing</a:t>
+            </a:r>
+            <a:r>
+              <a:rPr lang="pl-PL" sz="4400" dirty="0"/>
               <a:t> </a:t>
             </a:r>
             <a:br>
-              <a:rPr lang="pl-PL" sz="4400" dirty="0" smtClean="0"/>
+              <a:rPr lang="pl-PL" sz="4400" dirty="0"/>
             </a:br>
             <a:r>
-              <a:rPr lang="en-US" sz="4400" dirty="0" smtClean="0"/>
-              <a:t>E-Commerce </a:t>
-            </a:r>
-            <a:r>
               <a:rPr lang="en-US" sz="4400" dirty="0"/>
-              <a:t>dataset revolving around the reviews </a:t>
+              <a:t>E-Commerce dataset revolving around the reviews </a:t>
             </a:r>
             <a:endParaRPr lang="pl-PL" sz="4400" dirty="0"/>
           </a:p>
@@ -6345,7 +6338,7 @@
           </a:lstStyle>
           <a:p>
             <a:r>
-              <a:rPr lang="pl-PL" sz="1800" dirty="0" smtClean="0"/>
+              <a:rPr lang="pl-PL" sz="1800" dirty="0"/>
               <a:t>Opracowali: Agnieszka Dąbrowska-Małyszko, Witold łańcucki, Paulina Sokal, ireneusz Tur</a:t>
             </a:r>
           </a:p>
@@ -6754,10 +6747,9 @@
           <a:p>
             <a:pPr algn="ctr"/>
             <a:r>
-              <a:rPr lang="pl-PL" dirty="0" smtClean="0"/>
+              <a:rPr lang="pl-PL" dirty="0"/>
               <a:t>Rating a wiek</a:t>
             </a:r>
-            <a:endParaRPr lang="pl-PL" dirty="0"/>
           </a:p>
         </p:txBody>
       </p:sp>
@@ -6827,16 +6819,8 @@
               <a:buChar char="•"/>
             </a:pPr>
             <a:r>
-              <a:rPr lang="pl-PL" dirty="0" smtClean="0"/>
-              <a:t>około </a:t>
-            </a:r>
-            <a:r>
               <a:rPr lang="pl-PL" dirty="0"/>
-              <a:t>80% to oceny </a:t>
-            </a:r>
-            <a:r>
-              <a:rPr lang="pl-PL" dirty="0" smtClean="0"/>
-              <a:t>pozytywne</a:t>
+              <a:t>około 80% to oceny pozytywne</a:t>
             </a:r>
           </a:p>
           <a:p>
@@ -6845,16 +6829,8 @@
               <a:buChar char="•"/>
             </a:pPr>
             <a:r>
-              <a:rPr lang="pl-PL" dirty="0" smtClean="0"/>
-              <a:t>10</a:t>
-            </a:r>
-            <a:r>
               <a:rPr lang="pl-PL" dirty="0"/>
-              <a:t>% to oceny </a:t>
-            </a:r>
-            <a:r>
-              <a:rPr lang="pl-PL" dirty="0" smtClean="0"/>
-              <a:t>neutralne</a:t>
+              <a:t>10% to oceny neutralne</a:t>
             </a:r>
           </a:p>
           <a:p>
@@ -6863,16 +6839,8 @@
               <a:buChar char="•"/>
             </a:pPr>
             <a:r>
-              <a:rPr lang="pl-PL" dirty="0" smtClean="0"/>
-              <a:t>10</a:t>
-            </a:r>
-            <a:r>
               <a:rPr lang="pl-PL" dirty="0"/>
-              <a:t>% to oceny </a:t>
-            </a:r>
-            <a:r>
-              <a:rPr lang="pl-PL" dirty="0" smtClean="0"/>
-              <a:t>negatywne</a:t>
+              <a:t>10% to oceny negatywne</a:t>
             </a:r>
           </a:p>
         </p:txBody>
@@ -6887,13 +6855,6 @@
   <p:clrMapOvr>
     <a:masterClrMapping/>
   </p:clrMapOvr>
-  <p:timing>
-    <p:tnLst>
-      <p:par>
-        <p:cTn id="1" dur="indefinite" restart="never" nodeType="tmRoot"/>
-      </p:par>
-    </p:tnLst>
-  </p:timing>
 </p:sld>
 </file>
 
@@ -6965,14 +6926,14 @@
               <a:buChar char="•"/>
             </a:pPr>
             <a:r>
-              <a:rPr lang="pl-PL" dirty="0" smtClean="0">
+              <a:rPr lang="pl-PL" dirty="0">
                 <a:latin typeface="28"/>
               </a:rPr>
               <a:t>DZIAŁ</a:t>
             </a:r>
           </a:p>
           <a:p>
-            <a:endParaRPr lang="pl-PL" dirty="0" smtClean="0">
+            <a:endParaRPr lang="pl-PL" dirty="0">
               <a:latin typeface="28"/>
             </a:endParaRPr>
           </a:p>
@@ -6982,7 +6943,7 @@
               <a:buChar char="•"/>
             </a:pPr>
             <a:r>
-              <a:rPr lang="pl-PL" dirty="0" smtClean="0">
+              <a:rPr lang="pl-PL" dirty="0">
                 <a:latin typeface="28"/>
               </a:rPr>
               <a:t>DEPARTAMENT</a:t>
@@ -6999,16 +6960,10 @@
               <a:buChar char="•"/>
             </a:pPr>
             <a:r>
-              <a:rPr lang="pl-PL" dirty="0" smtClean="0">
-                <a:latin typeface="28"/>
-              </a:rPr>
-              <a:t>KLASA </a:t>
-            </a:r>
-            <a:r>
               <a:rPr lang="pl-PL" dirty="0">
                 <a:latin typeface="28"/>
               </a:rPr>
-              <a:t>ODZIEŻY</a:t>
+              <a:t>KLASA ODZIEŻY</a:t>
             </a:r>
           </a:p>
         </p:txBody>
@@ -7023,13 +6978,6 @@
   <p:clrMapOvr>
     <a:masterClrMapping/>
   </p:clrMapOvr>
-  <p:timing>
-    <p:tnLst>
-      <p:par>
-        <p:cTn id="1" dur="indefinite" restart="never" nodeType="tmRoot"/>
-      </p:par>
-    </p:tnLst>
-  </p:timing>
 </p:sld>
 </file>
 
@@ -7068,20 +7016,15 @@
             <a:pPr algn="ctr"/>
             <a:r>
               <a:rPr lang="pl-PL" sz="2800" b="1" dirty="0"/>
-              <a:t>Rozkład opinii według struktury produktów w </a:t>
-            </a:r>
-            <a:r>
-              <a:rPr lang="pl-PL" sz="2800" b="1" dirty="0" smtClean="0"/>
-              <a:t>sklepie</a:t>
+              <a:t>Rozkład opinii według struktury produktów w sklepie</a:t>
             </a:r>
             <a:br>
-              <a:rPr lang="pl-PL" sz="2800" b="1" dirty="0" smtClean="0"/>
+              <a:rPr lang="pl-PL" sz="2800" b="1" dirty="0"/>
             </a:br>
             <a:r>
-              <a:rPr lang="pl-PL" sz="2800" b="1" dirty="0" smtClean="0"/>
+              <a:rPr lang="pl-PL" sz="2800" b="1" dirty="0"/>
               <a:t>DZIAŁY</a:t>
             </a:r>
-            <a:endParaRPr lang="pl-PL" sz="2800" b="1" dirty="0"/>
           </a:p>
         </p:txBody>
       </p:sp>
@@ -7143,13 +7086,6 @@
   <p:clrMapOvr>
     <a:masterClrMapping/>
   </p:clrMapOvr>
-  <p:timing>
-    <p:tnLst>
-      <p:par>
-        <p:cTn id="1" dur="indefinite" restart="never" nodeType="tmRoot"/>
-      </p:par>
-    </p:tnLst>
-  </p:timing>
 </p:sld>
 </file>
 
@@ -7188,26 +7124,21 @@
             <a:pPr algn="ctr"/>
             <a:r>
               <a:rPr lang="pl-PL" sz="2800" b="1" dirty="0"/>
-              <a:t>Rozkład opinii według struktury produktów w </a:t>
-            </a:r>
-            <a:r>
-              <a:rPr lang="pl-PL" sz="2800" b="1" dirty="0" smtClean="0"/>
-              <a:t>sklepie</a:t>
+              <a:t>Rozkład opinii według struktury produktów w sklepie</a:t>
             </a:r>
             <a:br>
-              <a:rPr lang="pl-PL" sz="2800" b="1" dirty="0" smtClean="0"/>
+              <a:rPr lang="pl-PL" sz="2800" b="1" dirty="0"/>
             </a:br>
             <a:r>
-              <a:rPr lang="pl-PL" sz="2800" b="1" dirty="0" smtClean="0"/>
+              <a:rPr lang="pl-PL" sz="2800" b="1" dirty="0"/>
               <a:t>DZIAŁY</a:t>
             </a:r>
-            <a:endParaRPr lang="pl-PL" sz="2800" b="1" dirty="0"/>
           </a:p>
         </p:txBody>
       </p:sp>
       <p:pic>
         <p:nvPicPr>
-          <p:cNvPr id="3" name="Obraz 2"/>
+          <p:cNvPr id="7" name="Obraz 6"/>
           <p:cNvPicPr>
             <a:picLocks noChangeAspect="1"/>
           </p:cNvPicPr>
@@ -7221,8 +7152,8 @@
         </p:blipFill>
         <p:spPr>
           <a:xfrm>
-            <a:off x="352813" y="1388852"/>
-            <a:ext cx="4995564" cy="5164651"/>
+            <a:off x="6153358" y="1388852"/>
+            <a:ext cx="5191125" cy="5164651"/>
           </a:xfrm>
           <a:prstGeom prst="rect">
             <a:avLst/>
@@ -7231,7 +7162,13 @@
       </p:pic>
       <p:pic>
         <p:nvPicPr>
-          <p:cNvPr id="7" name="Obraz 6"/>
+          <p:cNvPr id="5" name="Obraz 4">
+            <a:extLst>
+              <a:ext uri="{FF2B5EF4-FFF2-40B4-BE49-F238E27FC236}">
+                <a16:creationId xmlns:a16="http://schemas.microsoft.com/office/drawing/2014/main" id="{85C66062-3502-4124-BA75-3FB3B6D1E5C6}"/>
+              </a:ext>
+            </a:extLst>
+          </p:cNvPr>
           <p:cNvPicPr>
             <a:picLocks noChangeAspect="1"/>
           </p:cNvPicPr>
@@ -7245,8 +7182,8 @@
         </p:blipFill>
         <p:spPr>
           <a:xfrm>
-            <a:off x="6153358" y="1388852"/>
-            <a:ext cx="5191125" cy="5164651"/>
+            <a:off x="609393" y="1388852"/>
+            <a:ext cx="5429250" cy="5164651"/>
           </a:xfrm>
           <a:prstGeom prst="rect">
             <a:avLst/>
@@ -7263,13 +7200,6 @@
   <p:clrMapOvr>
     <a:masterClrMapping/>
   </p:clrMapOvr>
-  <p:timing>
-    <p:tnLst>
-      <p:par>
-        <p:cTn id="1" dur="indefinite" restart="never" nodeType="tmRoot"/>
-      </p:par>
-    </p:tnLst>
-  </p:timing>
 </p:sld>
 </file>
 
@@ -7313,26 +7243,21 @@
             <a:pPr algn="ctr"/>
             <a:r>
               <a:rPr lang="pl-PL" sz="2800" b="1" dirty="0"/>
-              <a:t>Rozkład opinii według struktury produktów w </a:t>
-            </a:r>
-            <a:r>
-              <a:rPr lang="pl-PL" sz="2800" b="1" dirty="0" smtClean="0"/>
-              <a:t>sklepie</a:t>
+              <a:t>Rozkład opinii według struktury produktów w sklepie</a:t>
             </a:r>
             <a:br>
-              <a:rPr lang="pl-PL" sz="2800" b="1" dirty="0" smtClean="0"/>
+              <a:rPr lang="pl-PL" sz="2800" b="1" dirty="0"/>
             </a:br>
             <a:r>
-              <a:rPr lang="pl-PL" sz="2800" b="1" dirty="0" smtClean="0"/>
+              <a:rPr lang="pl-PL" sz="2800" b="1" dirty="0"/>
               <a:t>DZIAŁY</a:t>
             </a:r>
-            <a:endParaRPr lang="pl-PL" sz="2800" b="1" dirty="0"/>
           </a:p>
         </p:txBody>
       </p:sp>
       <p:pic>
         <p:nvPicPr>
-          <p:cNvPr id="5" name="Obraz 4"/>
+          <p:cNvPr id="8" name="Obraz 7"/>
           <p:cNvPicPr>
             <a:picLocks noChangeAspect="1"/>
           </p:cNvPicPr>
@@ -7346,8 +7271,8 @@
         </p:blipFill>
         <p:spPr>
           <a:xfrm>
-            <a:off x="4100513" y="1597687"/>
-            <a:ext cx="3990975" cy="952500"/>
+            <a:off x="6327962" y="2814831"/>
+            <a:ext cx="4638675" cy="1581150"/>
           </a:xfrm>
           <a:prstGeom prst="rect">
             <a:avLst/>
@@ -7356,7 +7281,13 @@
       </p:pic>
       <p:pic>
         <p:nvPicPr>
-          <p:cNvPr id="6" name="Obraz 5"/>
+          <p:cNvPr id="7" name="Obraz 6">
+            <a:extLst>
+              <a:ext uri="{FF2B5EF4-FFF2-40B4-BE49-F238E27FC236}">
+                <a16:creationId xmlns:a16="http://schemas.microsoft.com/office/drawing/2014/main" id="{1DCFCB6F-F8FE-48C9-8C04-FFC3C01B1674}"/>
+              </a:ext>
+            </a:extLst>
+          </p:cNvPr>
           <p:cNvPicPr>
             <a:picLocks noChangeAspect="1"/>
           </p:cNvPicPr>
@@ -7370,32 +7301,8 @@
         </p:blipFill>
         <p:spPr>
           <a:xfrm>
-            <a:off x="6271493" y="3247127"/>
-            <a:ext cx="4600575" cy="2209800"/>
-          </a:xfrm>
-          <a:prstGeom prst="rect">
-            <a:avLst/>
-          </a:prstGeom>
-        </p:spPr>
-      </p:pic>
-      <p:pic>
-        <p:nvPicPr>
-          <p:cNvPr id="8" name="Obraz 7"/>
-          <p:cNvPicPr>
-            <a:picLocks noChangeAspect="1"/>
-          </p:cNvPicPr>
-          <p:nvPr/>
-        </p:nvPicPr>
-        <p:blipFill>
-          <a:blip r:embed="rId4"/>
-          <a:stretch>
-            <a:fillRect/>
-          </a:stretch>
-        </p:blipFill>
-        <p:spPr>
-          <a:xfrm>
-            <a:off x="925452" y="3561452"/>
-            <a:ext cx="4638675" cy="1581150"/>
+            <a:off x="629650" y="1388852"/>
+            <a:ext cx="4995564" cy="5164651"/>
           </a:xfrm>
           <a:prstGeom prst="rect">
             <a:avLst/>
@@ -7412,13 +7319,6 @@
   <p:clrMapOvr>
     <a:masterClrMapping/>
   </p:clrMapOvr>
-  <p:timing>
-    <p:tnLst>
-      <p:par>
-        <p:cTn id="1" dur="indefinite" restart="never" nodeType="tmRoot"/>
-      </p:par>
-    </p:tnLst>
-  </p:timing>
 </p:sld>
 </file>
 
@@ -7462,20 +7362,15 @@
             <a:pPr algn="ctr"/>
             <a:r>
               <a:rPr lang="pl-PL" sz="2800" b="1" dirty="0"/>
-              <a:t>Rozkład opinii według struktury produktów w </a:t>
-            </a:r>
-            <a:r>
-              <a:rPr lang="pl-PL" sz="2800" b="1" dirty="0" smtClean="0"/>
-              <a:t>sklepie</a:t>
+              <a:t>Rozkład opinii według struktury produktów w sklepie</a:t>
             </a:r>
             <a:br>
-              <a:rPr lang="pl-PL" sz="2800" b="1" dirty="0" smtClean="0"/>
+              <a:rPr lang="pl-PL" sz="2800" b="1" dirty="0"/>
             </a:br>
             <a:r>
-              <a:rPr lang="pl-PL" sz="2800" b="1" dirty="0" smtClean="0"/>
+              <a:rPr lang="pl-PL" sz="2800" b="1" dirty="0"/>
               <a:t>DEPARTAMENTY</a:t>
             </a:r>
-            <a:endParaRPr lang="pl-PL" sz="2800" b="1" dirty="0"/>
           </a:p>
         </p:txBody>
       </p:sp>
@@ -7537,13 +7432,6 @@
   <p:clrMapOvr>
     <a:masterClrMapping/>
   </p:clrMapOvr>
-  <p:timing>
-    <p:tnLst>
-      <p:par>
-        <p:cTn id="1" dur="indefinite" restart="never" nodeType="tmRoot"/>
-      </p:par>
-    </p:tnLst>
-  </p:timing>
 </p:sld>
 </file>
 
@@ -7587,26 +7475,21 @@
             <a:pPr algn="ctr"/>
             <a:r>
               <a:rPr lang="pl-PL" sz="2800" b="1" dirty="0"/>
-              <a:t>Rozkład opinii według struktury produktów w </a:t>
-            </a:r>
-            <a:r>
-              <a:rPr lang="pl-PL" sz="2800" b="1" dirty="0" smtClean="0"/>
-              <a:t>sklepie</a:t>
+              <a:t>Rozkład opinii według struktury produktów w sklepie</a:t>
             </a:r>
             <a:br>
-              <a:rPr lang="pl-PL" sz="2800" b="1" dirty="0" smtClean="0"/>
+              <a:rPr lang="pl-PL" sz="2800" b="1" dirty="0"/>
             </a:br>
             <a:r>
-              <a:rPr lang="pl-PL" sz="2800" b="1" dirty="0" smtClean="0"/>
+              <a:rPr lang="pl-PL" sz="2800" b="1" dirty="0"/>
               <a:t>DEPARTAMENTY</a:t>
             </a:r>
-            <a:endParaRPr lang="pl-PL" sz="2800" b="1" dirty="0"/>
           </a:p>
         </p:txBody>
       </p:sp>
       <p:pic>
         <p:nvPicPr>
-          <p:cNvPr id="5" name="Obraz 4"/>
+          <p:cNvPr id="6" name="Obraz 5"/>
           <p:cNvPicPr>
             <a:picLocks noChangeAspect="1"/>
           </p:cNvPicPr>
@@ -7620,8 +7503,8 @@
         </p:blipFill>
         <p:spPr>
           <a:xfrm>
-            <a:off x="538072" y="1398827"/>
-            <a:ext cx="5016480" cy="5226260"/>
+            <a:off x="6096000" y="1394446"/>
+            <a:ext cx="4958212" cy="5230641"/>
           </a:xfrm>
           <a:prstGeom prst="rect">
             <a:avLst/>
@@ -7630,7 +7513,13 @@
       </p:pic>
       <p:pic>
         <p:nvPicPr>
-          <p:cNvPr id="6" name="Obraz 5"/>
+          <p:cNvPr id="3" name="Obraz 2">
+            <a:extLst>
+              <a:ext uri="{FF2B5EF4-FFF2-40B4-BE49-F238E27FC236}">
+                <a16:creationId xmlns:a16="http://schemas.microsoft.com/office/drawing/2014/main" id="{70438B04-3228-4BFE-8941-4C510BA27CA1}"/>
+              </a:ext>
+            </a:extLst>
+          </p:cNvPr>
           <p:cNvPicPr>
             <a:picLocks noChangeAspect="1"/>
           </p:cNvPicPr>
@@ -7644,8 +7533,8 @@
         </p:blipFill>
         <p:spPr>
           <a:xfrm>
-            <a:off x="6096000" y="1394446"/>
-            <a:ext cx="4958212" cy="5230641"/>
+            <a:off x="820475" y="1394446"/>
+            <a:ext cx="5019675" cy="5230640"/>
           </a:xfrm>
           <a:prstGeom prst="rect">
             <a:avLst/>
@@ -7662,13 +7551,6 @@
   <p:clrMapOvr>
     <a:masterClrMapping/>
   </p:clrMapOvr>
-  <p:timing>
-    <p:tnLst>
-      <p:par>
-        <p:cTn id="1" dur="indefinite" restart="never" nodeType="tmRoot"/>
-      </p:par>
-    </p:tnLst>
-  </p:timing>
 </p:sld>
 </file>
 
@@ -7712,26 +7594,21 @@
             <a:pPr algn="ctr"/>
             <a:r>
               <a:rPr lang="pl-PL" sz="2800" b="1" dirty="0"/>
-              <a:t>Rozkład opinii według struktury produktów w </a:t>
-            </a:r>
-            <a:r>
-              <a:rPr lang="pl-PL" sz="2800" b="1" dirty="0" smtClean="0"/>
-              <a:t>sklepie</a:t>
+              <a:t>Rozkład opinii według struktury produktów w sklepie</a:t>
             </a:r>
             <a:br>
-              <a:rPr lang="pl-PL" sz="2800" b="1" dirty="0" smtClean="0"/>
+              <a:rPr lang="pl-PL" sz="2800" b="1" dirty="0"/>
             </a:br>
             <a:r>
-              <a:rPr lang="pl-PL" sz="2800" b="1" dirty="0" smtClean="0"/>
+              <a:rPr lang="pl-PL" sz="2800" b="1" dirty="0"/>
               <a:t>DEPARTAMENTY</a:t>
             </a:r>
-            <a:endParaRPr lang="pl-PL" sz="2800" b="1" dirty="0"/>
           </a:p>
         </p:txBody>
       </p:sp>
       <p:pic>
         <p:nvPicPr>
-          <p:cNvPr id="5" name="Obraz 4"/>
+          <p:cNvPr id="7" name="Obraz 6"/>
           <p:cNvPicPr>
             <a:picLocks noChangeAspect="1"/>
           </p:cNvPicPr>
@@ -7745,8 +7622,8 @@
         </p:blipFill>
         <p:spPr>
           <a:xfrm>
-            <a:off x="1280933" y="1769582"/>
-            <a:ext cx="4695825" cy="4181475"/>
+            <a:off x="6331137" y="2412519"/>
+            <a:ext cx="4467225" cy="2895600"/>
           </a:xfrm>
           <a:prstGeom prst="rect">
             <a:avLst/>
@@ -7755,7 +7632,13 @@
       </p:pic>
       <p:pic>
         <p:nvPicPr>
-          <p:cNvPr id="7" name="Obraz 6"/>
+          <p:cNvPr id="6" name="Obraz 5">
+            <a:extLst>
+              <a:ext uri="{FF2B5EF4-FFF2-40B4-BE49-F238E27FC236}">
+                <a16:creationId xmlns:a16="http://schemas.microsoft.com/office/drawing/2014/main" id="{EB47B15B-0307-4281-99E2-5497AA206DEF}"/>
+              </a:ext>
+            </a:extLst>
+          </p:cNvPr>
           <p:cNvPicPr>
             <a:picLocks noChangeAspect="1"/>
           </p:cNvPicPr>
@@ -7769,8 +7652,8 @@
         </p:blipFill>
         <p:spPr>
           <a:xfrm>
-            <a:off x="6331137" y="2412519"/>
-            <a:ext cx="4467225" cy="2895600"/>
+            <a:off x="538072" y="1398827"/>
+            <a:ext cx="5016480" cy="5226260"/>
           </a:xfrm>
           <a:prstGeom prst="rect">
             <a:avLst/>
@@ -7787,13 +7670,6 @@
   <p:clrMapOvr>
     <a:masterClrMapping/>
   </p:clrMapOvr>
-  <p:timing>
-    <p:tnLst>
-      <p:par>
-        <p:cTn id="1" dur="indefinite" restart="never" nodeType="tmRoot"/>
-      </p:par>
-    </p:tnLst>
-  </p:timing>
 </p:sld>
 </file>
 
@@ -7837,20 +7713,15 @@
             <a:pPr algn="ctr"/>
             <a:r>
               <a:rPr lang="pl-PL" sz="2800" b="1" dirty="0"/>
-              <a:t>Rozkład opinii według struktury produktów w </a:t>
-            </a:r>
-            <a:r>
-              <a:rPr lang="pl-PL" sz="2800" b="1" dirty="0" smtClean="0"/>
-              <a:t>sklepie</a:t>
+              <a:t>Rozkład opinii według struktury produktów w sklepie</a:t>
             </a:r>
             <a:br>
-              <a:rPr lang="pl-PL" sz="2800" b="1" dirty="0" smtClean="0"/>
+              <a:rPr lang="pl-PL" sz="2800" b="1" dirty="0"/>
             </a:br>
             <a:r>
-              <a:rPr lang="pl-PL" sz="2800" b="1" dirty="0" smtClean="0"/>
+              <a:rPr lang="pl-PL" sz="2800" b="1" dirty="0"/>
               <a:t>KLASY UBRAŃ</a:t>
             </a:r>
-            <a:endParaRPr lang="pl-PL" sz="2800" b="1" dirty="0"/>
           </a:p>
         </p:txBody>
       </p:sp>
@@ -7912,13 +7783,6 @@
   <p:clrMapOvr>
     <a:masterClrMapping/>
   </p:clrMapOvr>
-  <p:timing>
-    <p:tnLst>
-      <p:par>
-        <p:cTn id="1" dur="indefinite" restart="never" nodeType="tmRoot"/>
-      </p:par>
-    </p:tnLst>
-  </p:timing>
 </p:sld>
 </file>
 
@@ -7962,26 +7826,21 @@
             <a:pPr algn="ctr"/>
             <a:r>
               <a:rPr lang="pl-PL" sz="2800" b="1" dirty="0"/>
-              <a:t>Rozkład opinii według struktury produktów w </a:t>
-            </a:r>
-            <a:r>
-              <a:rPr lang="pl-PL" sz="2800" b="1" dirty="0" smtClean="0"/>
-              <a:t>sklepie</a:t>
+              <a:t>Rozkład opinii według struktury produktów w sklepie</a:t>
             </a:r>
             <a:br>
-              <a:rPr lang="pl-PL" sz="2800" b="1" dirty="0" smtClean="0"/>
+              <a:rPr lang="pl-PL" sz="2800" b="1" dirty="0"/>
             </a:br>
             <a:r>
-              <a:rPr lang="pl-PL" sz="2800" b="1" dirty="0" smtClean="0"/>
+              <a:rPr lang="pl-PL" sz="2800" b="1" dirty="0"/>
               <a:t>KLASY UBRAŃ</a:t>
             </a:r>
-            <a:endParaRPr lang="pl-PL" sz="2800" b="1" dirty="0"/>
           </a:p>
         </p:txBody>
       </p:sp>
       <p:pic>
         <p:nvPicPr>
-          <p:cNvPr id="4" name="Obraz 3"/>
+          <p:cNvPr id="5" name="Obraz 4"/>
           <p:cNvPicPr>
             <a:picLocks noChangeAspect="1"/>
           </p:cNvPicPr>
@@ -7995,8 +7854,8 @@
         </p:blipFill>
         <p:spPr>
           <a:xfrm>
-            <a:off x="1038944" y="1552755"/>
-            <a:ext cx="4382187" cy="4964322"/>
+            <a:off x="6336544" y="1552755"/>
+            <a:ext cx="4461818" cy="4967850"/>
           </a:xfrm>
           <a:prstGeom prst="rect">
             <a:avLst/>
@@ -8005,7 +7864,7 @@
       </p:pic>
       <p:pic>
         <p:nvPicPr>
-          <p:cNvPr id="5" name="Obraz 4"/>
+          <p:cNvPr id="7" name="Obraz 6"/>
           <p:cNvPicPr>
             <a:picLocks noChangeAspect="1"/>
           </p:cNvPicPr>
@@ -8019,8 +7878,8 @@
         </p:blipFill>
         <p:spPr>
           <a:xfrm>
-            <a:off x="6336544" y="1552755"/>
-            <a:ext cx="4461818" cy="4967850"/>
+            <a:off x="7782733" y="6081261"/>
+            <a:ext cx="4200525" cy="438150"/>
           </a:xfrm>
           <a:prstGeom prst="rect">
             <a:avLst/>
@@ -8029,7 +7888,13 @@
       </p:pic>
       <p:pic>
         <p:nvPicPr>
-          <p:cNvPr id="6" name="Obraz 5"/>
+          <p:cNvPr id="3" name="Obraz 2">
+            <a:extLst>
+              <a:ext uri="{FF2B5EF4-FFF2-40B4-BE49-F238E27FC236}">
+                <a16:creationId xmlns:a16="http://schemas.microsoft.com/office/drawing/2014/main" id="{A633CC01-262E-4A03-9027-EE9DD691C247}"/>
+              </a:ext>
+            </a:extLst>
+          </p:cNvPr>
           <p:cNvPicPr>
             <a:picLocks noChangeAspect="1"/>
           </p:cNvPicPr>
@@ -8043,32 +7908,8 @@
         </p:blipFill>
         <p:spPr>
           <a:xfrm>
-            <a:off x="3230037" y="5888427"/>
-            <a:ext cx="4286250" cy="628650"/>
-          </a:xfrm>
-          <a:prstGeom prst="rect">
-            <a:avLst/>
-          </a:prstGeom>
-        </p:spPr>
-      </p:pic>
-      <p:pic>
-        <p:nvPicPr>
-          <p:cNvPr id="7" name="Obraz 6"/>
-          <p:cNvPicPr>
-            <a:picLocks noChangeAspect="1"/>
-          </p:cNvPicPr>
-          <p:nvPr/>
-        </p:nvPicPr>
-        <p:blipFill>
-          <a:blip r:embed="rId5"/>
-          <a:stretch>
-            <a:fillRect/>
-          </a:stretch>
-        </p:blipFill>
-        <p:spPr>
-          <a:xfrm>
-            <a:off x="7782733" y="6081261"/>
-            <a:ext cx="4200525" cy="438150"/>
+            <a:off x="495300" y="1552755"/>
+            <a:ext cx="5600700" cy="4966656"/>
           </a:xfrm>
           <a:prstGeom prst="rect">
             <a:avLst/>
@@ -8078,7 +7919,7 @@
     </p:spTree>
     <p:extLst>
       <p:ext uri="{BB962C8B-B14F-4D97-AF65-F5344CB8AC3E}">
-        <p14:creationId xmlns:p14="http://schemas.microsoft.com/office/powerpoint/2010/main" val="1127068395"/>
+        <p14:creationId xmlns:p14="http://schemas.microsoft.com/office/powerpoint/2010/main" val="1937612853"/>
       </p:ext>
     </p:extLst>
   </p:cSld>
@@ -8097,6 +7938,9 @@
                     <p:cTn id="3" fill="hold">
                       <p:stCondLst>
                         <p:cond delay="indefinite"/>
+                        <p:cond evt="onBegin" delay="0">
+                          <p:tn val="2"/>
+                        </p:cond>
                       </p:stCondLst>
                       <p:childTnLst>
                         <p:par>
@@ -8106,7 +7950,7 @@
                             </p:stCondLst>
                             <p:childTnLst>
                               <p:par>
-                                <p:cTn id="5" presetID="1" presetClass="entr" presetSubtype="0" fill="hold" nodeType="clickEffect">
+                                <p:cTn id="5" presetID="1" presetClass="entr" presetSubtype="0" fill="hold" nodeType="withEffect">
                                   <p:stCondLst>
                                     <p:cond delay="0"/>
                                   </p:stCondLst>
@@ -8114,33 +7958,6 @@
                                     <p:set>
                                       <p:cBhvr>
                                         <p:cTn id="6" dur="1" fill="hold">
-                                          <p:stCondLst>
-                                            <p:cond delay="0"/>
-                                          </p:stCondLst>
-                                        </p:cTn>
-                                        <p:tgtEl>
-                                          <p:spTgt spid="6"/>
-                                        </p:tgtEl>
-                                        <p:attrNameLst>
-                                          <p:attrName>style.visibility</p:attrName>
-                                        </p:attrNameLst>
-                                      </p:cBhvr>
-                                      <p:to>
-                                        <p:strVal val="visible"/>
-                                      </p:to>
-                                    </p:set>
-                                  </p:childTnLst>
-                                </p:cTn>
-                              </p:par>
-                              <p:par>
-                                <p:cTn id="7" presetID="1" presetClass="entr" presetSubtype="0" fill="hold" nodeType="withEffect">
-                                  <p:stCondLst>
-                                    <p:cond delay="0"/>
-                                  </p:stCondLst>
-                                  <p:childTnLst>
-                                    <p:set>
-                                      <p:cBhvr>
-                                        <p:cTn id="8" dur="1" fill="hold">
                                           <p:stCondLst>
                                             <p:cond delay="0"/>
                                           </p:stCondLst>
@@ -8223,10 +8040,9 @@
           <a:lstStyle/>
           <a:p>
             <a:r>
-              <a:rPr lang="pl-PL" dirty="0" smtClean="0"/>
+              <a:rPr lang="pl-PL" dirty="0"/>
               <a:t>Informacje wstępne:</a:t>
             </a:r>
-            <a:endParaRPr lang="pl-PL" dirty="0"/>
           </a:p>
         </p:txBody>
       </p:sp>
@@ -8254,46 +8070,45 @@
           <a:p>
             <a:pPr fontAlgn="base"/>
             <a:r>
-              <a:rPr lang="pl-PL" dirty="0" smtClean="0"/>
+              <a:rPr lang="pl-PL" dirty="0"/>
               <a:t>W zbiorze danych mam </a:t>
             </a:r>
             <a:r>
-              <a:rPr lang="en-US" dirty="0" smtClean="0"/>
+              <a:rPr lang="en-US" dirty="0"/>
               <a:t>23</a:t>
             </a:r>
             <a:r>
-              <a:rPr lang="pl-PL" dirty="0" smtClean="0"/>
+              <a:rPr lang="pl-PL" dirty="0"/>
               <a:t> </a:t>
             </a:r>
             <a:r>
-              <a:rPr lang="en-US" dirty="0" smtClean="0"/>
+              <a:rPr lang="en-US" dirty="0"/>
               <a:t>486 </a:t>
             </a:r>
             <a:r>
-              <a:rPr lang="pl-PL" dirty="0" smtClean="0"/>
+              <a:rPr lang="pl-PL" dirty="0"/>
               <a:t>wierszy</a:t>
             </a:r>
             <a:r>
-              <a:rPr lang="en-US" dirty="0" smtClean="0"/>
+              <a:rPr lang="en-US" dirty="0"/>
               <a:t> </a:t>
             </a:r>
             <a:r>
-              <a:rPr lang="pl-PL" dirty="0" smtClean="0"/>
+              <a:rPr lang="pl-PL" dirty="0"/>
               <a:t>i 10 zmiennych dla każdego z nich</a:t>
             </a:r>
             <a:r>
-              <a:rPr lang="en-US" dirty="0" smtClean="0"/>
+              <a:rPr lang="en-US" dirty="0"/>
               <a:t>. </a:t>
             </a:r>
             <a:r>
-              <a:rPr lang="pl-PL" dirty="0" smtClean="0"/>
+              <a:rPr lang="pl-PL" dirty="0"/>
               <a:t>Każdy z nich to jedna ocena klienta</a:t>
             </a:r>
             <a:r>
-              <a:rPr lang="en-US" dirty="0" smtClean="0"/>
+              <a:rPr lang="en-US" dirty="0"/>
               <a:t>:</a:t>
             </a:r>
-            <a:endParaRPr lang="en-US" dirty="0"/>
           </a:p>
           <a:p>
             <a:pPr fontAlgn="base"/>
@@ -8301,111 +8116,71 @@
               <a:rPr lang="en-US" dirty="0"/>
               <a:t>Clothing ID: Integer </a:t>
             </a:r>
-            <a:endParaRPr lang="pl-PL" dirty="0" smtClean="0"/>
+            <a:endParaRPr lang="pl-PL" dirty="0"/>
           </a:p>
           <a:p>
             <a:pPr fontAlgn="base"/>
             <a:r>
-              <a:rPr lang="en-US" dirty="0" smtClean="0"/>
-              <a:t>Age</a:t>
-            </a:r>
-            <a:r>
               <a:rPr lang="en-US" dirty="0"/>
-              <a:t>: </a:t>
-            </a:r>
-            <a:r>
-              <a:rPr lang="en-US" dirty="0" smtClean="0"/>
-              <a:t>Integer </a:t>
+              <a:t>Age: Integer </a:t>
             </a:r>
             <a:endParaRPr lang="pl-PL" dirty="0"/>
           </a:p>
           <a:p>
             <a:pPr fontAlgn="base"/>
             <a:r>
-              <a:rPr lang="en-US" dirty="0" smtClean="0"/>
-              <a:t>Title</a:t>
-            </a:r>
-            <a:r>
               <a:rPr lang="en-US" dirty="0"/>
-              <a:t>: String </a:t>
-            </a:r>
-            <a:endParaRPr lang="pl-PL" dirty="0" smtClean="0"/>
+              <a:t>Title: String </a:t>
+            </a:r>
+            <a:endParaRPr lang="pl-PL" dirty="0"/>
           </a:p>
           <a:p>
             <a:pPr fontAlgn="base"/>
             <a:r>
-              <a:rPr lang="en-US" dirty="0" smtClean="0"/>
-              <a:t>Review </a:t>
-            </a:r>
-            <a:r>
               <a:rPr lang="en-US" dirty="0"/>
-              <a:t>Text: </a:t>
-            </a:r>
-            <a:r>
-              <a:rPr lang="en-US" dirty="0" smtClean="0"/>
-              <a:t>String </a:t>
-            </a:r>
-            <a:endParaRPr lang="pl-PL" dirty="0" smtClean="0"/>
+              <a:t>Review Text: String </a:t>
+            </a:r>
+            <a:endParaRPr lang="pl-PL" dirty="0"/>
           </a:p>
           <a:p>
             <a:pPr fontAlgn="base"/>
             <a:r>
-              <a:rPr lang="en-US" dirty="0" smtClean="0"/>
+              <a:rPr lang="en-US" dirty="0"/>
               <a:t>Rating: Integer</a:t>
             </a:r>
             <a:r>
-              <a:rPr lang="pl-PL" dirty="0" smtClean="0"/>
+              <a:rPr lang="pl-PL" dirty="0"/>
               <a:t> w zakresie od 1 do 5, gdzie 1 to najniższa ocena, a 5 najlepsza</a:t>
             </a:r>
-            <a:endParaRPr lang="en-US" dirty="0" smtClean="0"/>
+            <a:endParaRPr lang="en-US" dirty="0"/>
           </a:p>
           <a:p>
             <a:pPr fontAlgn="base"/>
             <a:r>
-              <a:rPr lang="en-US" dirty="0" smtClean="0"/>
-              <a:t>Recommended </a:t>
-            </a:r>
-            <a:r>
               <a:rPr lang="en-US" dirty="0"/>
-              <a:t>IND: Binary </a:t>
-            </a:r>
-            <a:r>
-              <a:rPr lang="en-US" dirty="0" smtClean="0"/>
-              <a:t>variable</a:t>
-            </a:r>
-            <a:r>
-              <a:rPr lang="pl-PL" dirty="0" smtClean="0"/>
+              <a:t>Recommended IND: Binary variable</a:t>
+            </a:r>
+            <a:r>
+              <a:rPr lang="pl-PL" dirty="0"/>
               <a:t>, gdzie 1 = ‚polecam’, a 0 = ‚nie polecam’</a:t>
             </a:r>
           </a:p>
           <a:p>
             <a:pPr fontAlgn="base"/>
             <a:r>
-              <a:rPr lang="en-US" dirty="0" smtClean="0"/>
-              <a:t>Positive </a:t>
-            </a:r>
-            <a:r>
               <a:rPr lang="en-US" dirty="0"/>
-              <a:t>Feedback Count: </a:t>
-            </a:r>
-            <a:r>
-              <a:rPr lang="en-US" dirty="0" smtClean="0"/>
-              <a:t>Integer</a:t>
-            </a:r>
-            <a:endParaRPr lang="pl-PL" dirty="0" smtClean="0"/>
+              <a:t>Positive Feedback Count: Integer</a:t>
+            </a:r>
+            <a:endParaRPr lang="pl-PL" dirty="0"/>
           </a:p>
           <a:p>
             <a:pPr fontAlgn="base"/>
             <a:r>
-              <a:rPr lang="en-US" dirty="0" smtClean="0"/>
-              <a:t>Division </a:t>
-            </a:r>
-            <a:r>
               <a:rPr lang="en-US" dirty="0"/>
-              <a:t>Name: </a:t>
-            </a:r>
-            <a:r>
-              <a:rPr lang="pl-PL" dirty="0" smtClean="0"/>
+              <a:t>Division Name: </a:t>
+            </a:r>
+            <a:r>
+              <a:rPr lang="pl-PL" dirty="0"/>
               <a:t>String</a:t>
             </a:r>
             <a:endParaRPr lang="en-US" dirty="0"/>
@@ -8417,7 +8192,7 @@
               <a:t>Department Name: </a:t>
             </a:r>
             <a:r>
-              <a:rPr lang="pl-PL" dirty="0" smtClean="0"/>
+              <a:rPr lang="pl-PL" dirty="0"/>
               <a:t>String</a:t>
             </a:r>
             <a:endParaRPr lang="en-US" dirty="0"/>
@@ -8429,7 +8204,7 @@
               <a:t>Class Name: </a:t>
             </a:r>
             <a:r>
-              <a:rPr lang="pl-PL" dirty="0" smtClean="0"/>
+              <a:rPr lang="pl-PL" dirty="0"/>
               <a:t>String</a:t>
             </a:r>
             <a:endParaRPr lang="en-US" dirty="0"/>
@@ -8438,13 +8213,13 @@
             <a:pPr marL="0" indent="0">
               <a:buNone/>
             </a:pPr>
-            <a:endParaRPr lang="pl-PL" dirty="0" smtClean="0"/>
-          </a:p>
-          <a:p>
-            <a:endParaRPr lang="pl-PL" dirty="0" smtClean="0"/>
-          </a:p>
-          <a:p>
-            <a:endParaRPr lang="pl-PL" dirty="0" smtClean="0"/>
+            <a:endParaRPr lang="pl-PL" dirty="0"/>
+          </a:p>
+          <a:p>
+            <a:endParaRPr lang="pl-PL" dirty="0"/>
+          </a:p>
+          <a:p>
+            <a:endParaRPr lang="pl-PL" dirty="0"/>
           </a:p>
         </p:txBody>
       </p:sp>
@@ -8458,13 +8233,6 @@
   <p:clrMapOvr>
     <a:masterClrMapping/>
   </p:clrMapOvr>
-  <p:timing>
-    <p:tnLst>
-      <p:par>
-        <p:cTn id="1" dur="indefinite" restart="never" nodeType="tmRoot"/>
-      </p:par>
-    </p:tnLst>
-  </p:timing>
 </p:sld>
 </file>
 
@@ -8497,7 +8265,7 @@
         </p:nvSpPr>
         <p:spPr>
           <a:xfrm>
-            <a:off x="686273" y="548952"/>
+            <a:off x="1393639" y="452718"/>
             <a:ext cx="9404723" cy="1400530"/>
           </a:xfrm>
         </p:spPr>
@@ -8507,20 +8275,22 @@
           <a:p>
             <a:pPr algn="ctr"/>
             <a:r>
-              <a:rPr lang="pl-PL" dirty="0" err="1" smtClean="0"/>
-              <a:t>Clothing</a:t>
-            </a:r>
-            <a:r>
-              <a:rPr lang="pl-PL" dirty="0" smtClean="0"/>
-              <a:t> ID</a:t>
-            </a:r>
-            <a:endParaRPr lang="pl-PL" dirty="0"/>
+              <a:rPr lang="pl-PL" sz="2800" b="1" dirty="0"/>
+              <a:t>Rozkład opinii według struktury produktów w sklepie</a:t>
+            </a:r>
+            <a:br>
+              <a:rPr lang="pl-PL" sz="2800" b="1" dirty="0"/>
+            </a:br>
+            <a:r>
+              <a:rPr lang="pl-PL" sz="2800" b="1" dirty="0"/>
+              <a:t>KLASY UBRAŃ</a:t>
+            </a:r>
           </a:p>
         </p:txBody>
       </p:sp>
       <p:pic>
         <p:nvPicPr>
-          <p:cNvPr id="7" name="Obraz 6"/>
+          <p:cNvPr id="4" name="Obraz 3"/>
           <p:cNvPicPr>
             <a:picLocks noChangeAspect="1"/>
           </p:cNvPicPr>
@@ -8534,8 +8304,8 @@
         </p:blipFill>
         <p:spPr>
           <a:xfrm>
-            <a:off x="841794" y="1332874"/>
-            <a:ext cx="5688402" cy="5424754"/>
+            <a:off x="1038944" y="1552755"/>
+            <a:ext cx="4382187" cy="4964322"/>
           </a:xfrm>
           <a:prstGeom prst="rect">
             <a:avLst/>
@@ -8544,7 +8314,13 @@
       </p:pic>
       <p:pic>
         <p:nvPicPr>
-          <p:cNvPr id="8" name="Obraz 7"/>
+          <p:cNvPr id="3" name="Obraz 2">
+            <a:extLst>
+              <a:ext uri="{FF2B5EF4-FFF2-40B4-BE49-F238E27FC236}">
+                <a16:creationId xmlns:a16="http://schemas.microsoft.com/office/drawing/2014/main" id="{11035121-1DC2-4144-9B47-FC8036A983B7}"/>
+              </a:ext>
+            </a:extLst>
+          </p:cNvPr>
           <p:cNvPicPr>
             <a:picLocks noChangeAspect="1"/>
           </p:cNvPicPr>
@@ -8558,61 +8334,24 @@
         </p:blipFill>
         <p:spPr>
           <a:xfrm>
-            <a:off x="6984520" y="1931060"/>
-            <a:ext cx="3657600" cy="2667000"/>
+            <a:off x="6096000" y="1552755"/>
+            <a:ext cx="5410200" cy="4964322"/>
           </a:xfrm>
           <a:prstGeom prst="rect">
             <a:avLst/>
           </a:prstGeom>
         </p:spPr>
       </p:pic>
-      <p:sp>
-        <p:nvSpPr>
-          <p:cNvPr id="9" name="pole tekstowe 8"/>
-          <p:cNvSpPr txBox="1"/>
-          <p:nvPr/>
-        </p:nvSpPr>
-        <p:spPr>
-          <a:xfrm>
-            <a:off x="7332453" y="5175849"/>
-            <a:ext cx="2691441" cy="1477328"/>
-          </a:xfrm>
-          <a:prstGeom prst="rect">
-            <a:avLst/>
-          </a:prstGeom>
-          <a:noFill/>
-        </p:spPr>
-        <p:txBody>
-          <a:bodyPr wrap="square" rtlCol="0">
-            <a:spAutoFit/>
-          </a:bodyPr>
-          <a:lstStyle/>
-          <a:p>
-            <a:r>
-              <a:rPr lang="pl-PL" dirty="0" smtClean="0"/>
-              <a:t>25 najczęściej ocenianych detali ma łącznie 10089 ocen czyli 42% wszystkich ocen</a:t>
-            </a:r>
-            <a:endParaRPr lang="pl-PL" dirty="0"/>
-          </a:p>
-        </p:txBody>
-      </p:sp>
     </p:spTree>
     <p:extLst>
       <p:ext uri="{BB962C8B-B14F-4D97-AF65-F5344CB8AC3E}">
-        <p14:creationId xmlns:p14="http://schemas.microsoft.com/office/powerpoint/2010/main" val="1408314953"/>
+        <p14:creationId xmlns:p14="http://schemas.microsoft.com/office/powerpoint/2010/main" val="1127068395"/>
       </p:ext>
     </p:extLst>
   </p:cSld>
   <p:clrMapOvr>
     <a:masterClrMapping/>
   </p:clrMapOvr>
-  <p:timing>
-    <p:tnLst>
-      <p:par>
-        <p:cTn id="1" dur="indefinite" restart="never" nodeType="tmRoot"/>
-      </p:par>
-    </p:tnLst>
-  </p:timing>
 </p:sld>
 </file>
 
@@ -8655,20 +8394,19 @@
           <a:p>
             <a:pPr algn="ctr"/>
             <a:r>
-              <a:rPr lang="pl-PL" dirty="0" err="1" smtClean="0"/>
+              <a:rPr lang="pl-PL" dirty="0" err="1"/>
               <a:t>Clothing</a:t>
             </a:r>
             <a:r>
-              <a:rPr lang="pl-PL" dirty="0" smtClean="0"/>
+              <a:rPr lang="pl-PL" dirty="0"/>
               <a:t> ID</a:t>
             </a:r>
-            <a:endParaRPr lang="pl-PL" dirty="0"/>
           </a:p>
         </p:txBody>
       </p:sp>
       <p:pic>
         <p:nvPicPr>
-          <p:cNvPr id="3" name="Obraz 2"/>
+          <p:cNvPr id="7" name="Obraz 6"/>
           <p:cNvPicPr>
             <a:picLocks noChangeAspect="1"/>
           </p:cNvPicPr>
@@ -8682,8 +8420,8 @@
         </p:blipFill>
         <p:spPr>
           <a:xfrm>
-            <a:off x="6445729" y="1362974"/>
-            <a:ext cx="5336443" cy="5298326"/>
+            <a:off x="841794" y="1332874"/>
+            <a:ext cx="5688402" cy="5424754"/>
           </a:xfrm>
           <a:prstGeom prst="rect">
             <a:avLst/>
@@ -8692,7 +8430,7 @@
       </p:pic>
       <p:pic>
         <p:nvPicPr>
-          <p:cNvPr id="4" name="Obraz 3"/>
+          <p:cNvPr id="8" name="Obraz 7"/>
           <p:cNvPicPr>
             <a:picLocks noChangeAspect="1"/>
           </p:cNvPicPr>
@@ -8706,31 +8444,53 @@
         </p:blipFill>
         <p:spPr>
           <a:xfrm>
-            <a:off x="306711" y="1362974"/>
-            <a:ext cx="5502975" cy="5307279"/>
+            <a:off x="6984520" y="1931060"/>
+            <a:ext cx="3657600" cy="2667000"/>
           </a:xfrm>
           <a:prstGeom prst="rect">
             <a:avLst/>
           </a:prstGeom>
         </p:spPr>
       </p:pic>
+      <p:sp>
+        <p:nvSpPr>
+          <p:cNvPr id="9" name="pole tekstowe 8"/>
+          <p:cNvSpPr txBox="1"/>
+          <p:nvPr/>
+        </p:nvSpPr>
+        <p:spPr>
+          <a:xfrm>
+            <a:off x="7332453" y="5175849"/>
+            <a:ext cx="2691441" cy="1477328"/>
+          </a:xfrm>
+          <a:prstGeom prst="rect">
+            <a:avLst/>
+          </a:prstGeom>
+          <a:noFill/>
+        </p:spPr>
+        <p:txBody>
+          <a:bodyPr wrap="square" rtlCol="0">
+            <a:spAutoFit/>
+          </a:bodyPr>
+          <a:lstStyle/>
+          <a:p>
+            <a:r>
+              <a:rPr lang="pl-PL" dirty="0"/>
+              <a:t>25 najczęściej ocenianych detali ma łącznie 10089 ocen czyli 42% wszystkich ocen</a:t>
+            </a:r>
+          </a:p>
+        </p:txBody>
+      </p:sp>
     </p:spTree>
     <p:extLst>
       <p:ext uri="{BB962C8B-B14F-4D97-AF65-F5344CB8AC3E}">
-        <p14:creationId xmlns:p14="http://schemas.microsoft.com/office/powerpoint/2010/main" val="1479397641"/>
+        <p14:creationId xmlns:p14="http://schemas.microsoft.com/office/powerpoint/2010/main" val="1408314953"/>
       </p:ext>
     </p:extLst>
   </p:cSld>
   <p:clrMapOvr>
     <a:masterClrMapping/>
   </p:clrMapOvr>
-  <p:timing>
-    <p:tnLst>
-      <p:par>
-        <p:cTn id="1" dur="indefinite" restart="never" nodeType="tmRoot"/>
-      </p:par>
-    </p:tnLst>
-  </p:timing>
 </p:sld>
 </file>
 
@@ -8763,7 +8523,7 @@
         </p:nvSpPr>
         <p:spPr>
           <a:xfrm>
-            <a:off x="1163696" y="2652454"/>
+            <a:off x="686273" y="548952"/>
             <a:ext cx="9404723" cy="1400530"/>
           </a:xfrm>
         </p:spPr>
@@ -8773,30 +8533,74 @@
           <a:p>
             <a:pPr algn="ctr"/>
             <a:r>
-              <a:rPr lang="pl-PL" dirty="0" smtClean="0"/>
-              <a:t>Analiza komentarzy</a:t>
-            </a:r>
-            <a:endParaRPr lang="pl-PL" dirty="0"/>
-          </a:p>
-        </p:txBody>
-      </p:sp>
+              <a:rPr lang="pl-PL" dirty="0" err="1"/>
+              <a:t>Clothing</a:t>
+            </a:r>
+            <a:r>
+              <a:rPr lang="pl-PL" dirty="0"/>
+              <a:t> ID</a:t>
+            </a:r>
+          </a:p>
+        </p:txBody>
+      </p:sp>
+      <p:pic>
+        <p:nvPicPr>
+          <p:cNvPr id="3" name="Obraz 2"/>
+          <p:cNvPicPr>
+            <a:picLocks noChangeAspect="1"/>
+          </p:cNvPicPr>
+          <p:nvPr/>
+        </p:nvPicPr>
+        <p:blipFill>
+          <a:blip r:embed="rId2"/>
+          <a:stretch>
+            <a:fillRect/>
+          </a:stretch>
+        </p:blipFill>
+        <p:spPr>
+          <a:xfrm>
+            <a:off x="6445729" y="1362974"/>
+            <a:ext cx="5336443" cy="5298326"/>
+          </a:xfrm>
+          <a:prstGeom prst="rect">
+            <a:avLst/>
+          </a:prstGeom>
+        </p:spPr>
+      </p:pic>
+      <p:pic>
+        <p:nvPicPr>
+          <p:cNvPr id="4" name="Obraz 3"/>
+          <p:cNvPicPr>
+            <a:picLocks noChangeAspect="1"/>
+          </p:cNvPicPr>
+          <p:nvPr/>
+        </p:nvPicPr>
+        <p:blipFill>
+          <a:blip r:embed="rId3"/>
+          <a:stretch>
+            <a:fillRect/>
+          </a:stretch>
+        </p:blipFill>
+        <p:spPr>
+          <a:xfrm>
+            <a:off x="306711" y="1362974"/>
+            <a:ext cx="5502975" cy="5307279"/>
+          </a:xfrm>
+          <a:prstGeom prst="rect">
+            <a:avLst/>
+          </a:prstGeom>
+        </p:spPr>
+      </p:pic>
     </p:spTree>
     <p:extLst>
       <p:ext uri="{BB962C8B-B14F-4D97-AF65-F5344CB8AC3E}">
-        <p14:creationId xmlns:p14="http://schemas.microsoft.com/office/powerpoint/2010/main" val="3251061521"/>
+        <p14:creationId xmlns:p14="http://schemas.microsoft.com/office/powerpoint/2010/main" val="1479397641"/>
       </p:ext>
     </p:extLst>
   </p:cSld>
   <p:clrMapOvr>
     <a:masterClrMapping/>
   </p:clrMapOvr>
-  <p:timing>
-    <p:tnLst>
-      <p:par>
-        <p:cTn id="1" dur="indefinite" restart="never" nodeType="tmRoot"/>
-      </p:par>
-    </p:tnLst>
-  </p:timing>
 </p:sld>
 </file>
 
@@ -8839,30 +8643,22 @@
           <a:p>
             <a:pPr algn="ctr"/>
             <a:r>
-              <a:rPr lang="pl-PL" dirty="0" smtClean="0"/>
-              <a:t>Analiza czynnikowa</a:t>
-            </a:r>
-            <a:endParaRPr lang="pl-PL" dirty="0"/>
+              <a:rPr lang="pl-PL" dirty="0"/>
+              <a:t>Analiza komentarzy</a:t>
+            </a:r>
           </a:p>
         </p:txBody>
       </p:sp>
     </p:spTree>
     <p:extLst>
       <p:ext uri="{BB962C8B-B14F-4D97-AF65-F5344CB8AC3E}">
-        <p14:creationId xmlns:p14="http://schemas.microsoft.com/office/powerpoint/2010/main" val="3451666455"/>
+        <p14:creationId xmlns:p14="http://schemas.microsoft.com/office/powerpoint/2010/main" val="3251061521"/>
       </p:ext>
     </p:extLst>
   </p:cSld>
   <p:clrMapOvr>
     <a:masterClrMapping/>
   </p:clrMapOvr>
-  <p:timing>
-    <p:tnLst>
-      <p:par>
-        <p:cTn id="1" dur="indefinite" restart="never" nodeType="tmRoot"/>
-      </p:par>
-    </p:tnLst>
-  </p:timing>
 </p:sld>
 </file>
 
@@ -8885,202 +8681,28 @@
       </p:grpSpPr>
       <p:sp>
         <p:nvSpPr>
-          <p:cNvPr id="85" name="TextShape 1"/>
-          <p:cNvSpPr txBox="1"/>
-          <p:nvPr/>
-        </p:nvSpPr>
-        <p:spPr>
-          <a:xfrm>
-            <a:off x="2176691" y="273026"/>
-            <a:ext cx="8033676" cy="1145335"/>
-          </a:xfrm>
-          <a:prstGeom prst="rect">
-            <a:avLst/>
-          </a:prstGeom>
-          <a:noFill/>
-          <a:ln>
-            <a:noFill/>
-          </a:ln>
-        </p:spPr>
-        <p:txBody>
-          <a:bodyPr lIns="0" tIns="0" rIns="0" bIns="0" anchor="ctr"/>
+          <p:cNvPr id="2" name="Title 1"/>
+          <p:cNvSpPr>
+            <a:spLocks noGrp="1"/>
+          </p:cNvSpPr>
+          <p:nvPr>
+            <p:ph type="title"/>
+          </p:nvPr>
+        </p:nvSpPr>
+        <p:spPr>
+          <a:xfrm>
+            <a:off x="1163696" y="2652454"/>
+            <a:ext cx="9404723" cy="1400530"/>
+          </a:xfrm>
+        </p:spPr>
+        <p:txBody>
+          <a:bodyPr/>
           <a:lstStyle/>
           <a:p>
-            <a:r>
-              <a:rPr lang="pl-PL" sz="3992" b="1" spc="-1" dirty="0">
-                <a:latin typeface="Noto Sans Regular"/>
-              </a:rPr>
-              <a:t>Przygotowanie danych</a:t>
-            </a:r>
-          </a:p>
-        </p:txBody>
-      </p:sp>
-      <p:sp>
-        <p:nvSpPr>
-          <p:cNvPr id="86" name="TextShape 2"/>
-          <p:cNvSpPr txBox="1"/>
-          <p:nvPr/>
-        </p:nvSpPr>
-        <p:spPr>
-          <a:xfrm>
-            <a:off x="2176691" y="1959513"/>
-            <a:ext cx="7838051" cy="3977811"/>
-          </a:xfrm>
-          <a:prstGeom prst="rect">
-            <a:avLst/>
-          </a:prstGeom>
-          <a:noFill/>
-          <a:ln>
-            <a:noFill/>
-          </a:ln>
-        </p:spPr>
-        <p:txBody>
-          <a:bodyPr lIns="0" tIns="0" rIns="0" bIns="0"/>
-          <a:lstStyle/>
-          <a:p>
-            <a:pPr marL="391910" indent="-293933">
-              <a:spcAft>
-                <a:spcPts val="1283"/>
-              </a:spcAft>
-              <a:buClr>
-                <a:srgbClr val="EF2929"/>
-              </a:buClr>
-              <a:buSzPct val="45000"/>
-              <a:buFont typeface="Wingdings" charset="2"/>
-              <a:buChar char=""/>
-            </a:pPr>
-            <a:r>
-              <a:rPr lang="pl-PL" sz="2540" spc="-1" dirty="0">
-                <a:latin typeface="Noto Sans Regular"/>
-              </a:rPr>
-              <a:t>Usunięcie danych z komentarzem oceny</a:t>
-            </a:r>
-          </a:p>
-          <a:p>
-            <a:pPr marL="391910" indent="-293933">
-              <a:spcAft>
-                <a:spcPts val="1283"/>
-              </a:spcAft>
-              <a:buClr>
-                <a:srgbClr val="EF2929"/>
-              </a:buClr>
-              <a:buSzPct val="45000"/>
-              <a:buFont typeface="Wingdings" charset="2"/>
-              <a:buChar char=""/>
-            </a:pPr>
-            <a:r>
-              <a:rPr lang="pl-PL" sz="2540" spc="-1" dirty="0">
-                <a:latin typeface="Noto Sans Regular"/>
-              </a:rPr>
-              <a:t>Stworzenie </a:t>
-            </a:r>
-            <a:r>
-              <a:rPr lang="pl-PL" sz="2540" i="1" spc="-1" dirty="0" err="1">
-                <a:latin typeface="Noto Sans Regular"/>
-              </a:rPr>
-              <a:t>dummy</a:t>
-            </a:r>
-            <a:r>
-              <a:rPr lang="pl-PL" sz="2540" i="1" spc="-1" dirty="0">
-                <a:latin typeface="Noto Sans Regular"/>
-              </a:rPr>
-              <a:t> </a:t>
-            </a:r>
-            <a:r>
-              <a:rPr lang="pl-PL" sz="2540" i="1" spc="-1" dirty="0" err="1">
-                <a:latin typeface="Noto Sans Regular"/>
-              </a:rPr>
-              <a:t>variables</a:t>
-            </a:r>
-            <a:r>
-              <a:rPr lang="pl-PL" sz="2540" i="1" spc="-1" dirty="0">
-                <a:latin typeface="Noto Sans Regular"/>
-              </a:rPr>
-              <a:t> </a:t>
-            </a:r>
-            <a:r>
-              <a:rPr lang="pl-PL" sz="2540" spc="-1" dirty="0">
-                <a:latin typeface="Noto Sans Regular"/>
-              </a:rPr>
-              <a:t>ze zmiennych kategorycznych</a:t>
-            </a:r>
-          </a:p>
-          <a:p>
-            <a:pPr marL="391910" indent="-293933">
-              <a:spcAft>
-                <a:spcPts val="1283"/>
-              </a:spcAft>
-              <a:buClr>
-                <a:srgbClr val="EF2929"/>
-              </a:buClr>
-              <a:buSzPct val="45000"/>
-              <a:buFont typeface="Wingdings" charset="2"/>
-              <a:buChar char=""/>
-            </a:pPr>
-            <a:endParaRPr lang="pl-PL" sz="2540" spc="-1" dirty="0">
-              <a:latin typeface="Noto Sans Regular"/>
-            </a:endParaRPr>
-          </a:p>
-          <a:p>
-            <a:pPr marL="391910" indent="-293933">
-              <a:spcAft>
-                <a:spcPts val="1283"/>
-              </a:spcAft>
-              <a:buClr>
-                <a:srgbClr val="EF2929"/>
-              </a:buClr>
-              <a:buSzPct val="45000"/>
-              <a:buFont typeface="Wingdings" charset="2"/>
-              <a:buChar char=""/>
-            </a:pPr>
-            <a:r>
-              <a:rPr lang="pl-PL" sz="2540" spc="-1" dirty="0">
-                <a:latin typeface="Noto Sans Regular"/>
-              </a:rPr>
-              <a:t>Test </a:t>
-            </a:r>
-            <a:r>
-              <a:rPr lang="pl-PL" sz="2540" spc="-1" dirty="0" err="1">
-                <a:latin typeface="Noto Sans Regular"/>
-              </a:rPr>
-              <a:t>Bartlett’a</a:t>
-            </a:r>
-            <a:r>
-              <a:rPr lang="pl-PL" sz="2540" spc="-1" dirty="0">
-                <a:latin typeface="Noto Sans Regular"/>
-              </a:rPr>
-              <a:t>: p-</a:t>
-            </a:r>
-            <a:r>
-              <a:rPr lang="pl-PL" sz="2540" spc="-1" dirty="0" err="1">
-                <a:latin typeface="Noto Sans Regular"/>
-              </a:rPr>
-              <a:t>value</a:t>
-            </a:r>
-            <a:r>
-              <a:rPr lang="pl-PL" sz="2540" spc="-1" dirty="0">
-                <a:latin typeface="Noto Sans Regular"/>
-              </a:rPr>
-              <a:t> = 0.0</a:t>
-            </a:r>
-          </a:p>
-          <a:p>
-            <a:pPr marL="391910" indent="-293933">
-              <a:spcAft>
-                <a:spcPts val="1283"/>
-              </a:spcAft>
-              <a:buClr>
-                <a:srgbClr val="EF2929"/>
-              </a:buClr>
-              <a:buSzPct val="45000"/>
-              <a:buFont typeface="Wingdings" charset="2"/>
-              <a:buChar char=""/>
-            </a:pPr>
-            <a:r>
-              <a:rPr lang="pl-PL" sz="2540" spc="-1" dirty="0">
-                <a:latin typeface="Noto Sans Regular"/>
-              </a:rPr>
-              <a:t>KMO Test: 0.12</a:t>
+            <a:pPr algn="ctr"/>
+            <a:r>
+              <a:rPr lang="pl-PL" dirty="0"/>
+              <a:t>Analiza czynnikowa</a:t>
             </a:r>
           </a:p>
         </p:txBody>
@@ -9088,40 +8710,13 @@
     </p:spTree>
     <p:extLst>
       <p:ext uri="{BB962C8B-B14F-4D97-AF65-F5344CB8AC3E}">
-        <p14:creationId xmlns:p14="http://schemas.microsoft.com/office/powerpoint/2010/main" val="617460342"/>
+        <p14:creationId xmlns:p14="http://schemas.microsoft.com/office/powerpoint/2010/main" val="3451666455"/>
       </p:ext>
     </p:extLst>
   </p:cSld>
   <p:clrMapOvr>
     <a:masterClrMapping/>
   </p:clrMapOvr>
-  <p:timing>
-    <p:tnLst>
-      <p:par>
-        <p:cTn id="1" dur="indefinite" restart="never" nodeType="tmRoot">
-          <p:childTnLst>
-            <p:seq>
-              <p:cTn id="2" dur="indefinite" nodeType="mainSeq"/>
-              <p:prevCondLst>
-                <p:cond evt="onPrev" delay="0">
-                  <p:tgtEl>
-                    <p:sldTgt/>
-                  </p:tgtEl>
-                </p:cond>
-              </p:prevCondLst>
-              <p:nextCondLst>
-                <p:cond evt="onNext" delay="0">
-                  <p:tgtEl>
-                    <p:sldTgt/>
-                  </p:tgtEl>
-                </p:cond>
-              </p:nextCondLst>
-            </p:seq>
-          </p:childTnLst>
-        </p:cTn>
-      </p:par>
-    </p:tnLst>
-  </p:timing>
 </p:sld>
 </file>
 
@@ -9144,7 +8739,7 @@
       </p:grpSpPr>
       <p:sp>
         <p:nvSpPr>
-          <p:cNvPr id="87" name="TextShape 1"/>
+          <p:cNvPr id="85" name="TextShape 1"/>
           <p:cNvSpPr txBox="1"/>
           <p:nvPr/>
         </p:nvSpPr>
@@ -9166,41 +8761,188 @@
           <a:lstStyle/>
           <a:p>
             <a:r>
-              <a:rPr lang="pl-PL" sz="3992" b="1" spc="-1">
+              <a:rPr lang="pl-PL" sz="3992" b="1" spc="-1" dirty="0">
                 <a:latin typeface="Noto Sans Regular"/>
               </a:rPr>
-              <a:t>Liczba czynników</a:t>
-            </a:r>
-          </a:p>
-        </p:txBody>
-      </p:sp>
-      <p:pic>
-        <p:nvPicPr>
-          <p:cNvPr id="88" name="Obraz 87"/>
-          <p:cNvPicPr/>
+              <a:t>Przygotowanie danych</a:t>
+            </a:r>
+          </a:p>
+        </p:txBody>
+      </p:sp>
+      <p:sp>
+        <p:nvSpPr>
+          <p:cNvPr id="86" name="TextShape 2"/>
+          <p:cNvSpPr txBox="1"/>
           <p:nvPr/>
-        </p:nvPicPr>
-        <p:blipFill>
-          <a:blip r:embed="rId2"/>
-          <a:stretch/>
-        </p:blipFill>
-        <p:spPr>
-          <a:xfrm>
-            <a:off x="2503277" y="1513071"/>
-            <a:ext cx="6792978" cy="4604855"/>
+        </p:nvSpPr>
+        <p:spPr>
+          <a:xfrm>
+            <a:off x="2176691" y="1959513"/>
+            <a:ext cx="7838051" cy="3977811"/>
           </a:xfrm>
           <a:prstGeom prst="rect">
             <a:avLst/>
           </a:prstGeom>
+          <a:noFill/>
           <a:ln>
             <a:noFill/>
           </a:ln>
         </p:spPr>
-      </p:pic>
+        <p:txBody>
+          <a:bodyPr lIns="0" tIns="0" rIns="0" bIns="0"/>
+          <a:lstStyle/>
+          <a:p>
+            <a:pPr marL="391910" indent="-293933">
+              <a:spcAft>
+                <a:spcPts val="1283"/>
+              </a:spcAft>
+              <a:buClr>
+                <a:srgbClr val="EF2929"/>
+              </a:buClr>
+              <a:buSzPct val="45000"/>
+              <a:buFont typeface="Wingdings" charset="2"/>
+              <a:buChar char=""/>
+            </a:pPr>
+            <a:r>
+              <a:rPr lang="pl-PL" sz="2540" spc="-1" dirty="0">
+                <a:latin typeface="Noto Sans Regular"/>
+              </a:rPr>
+              <a:t>Usunięcie danych z komentarzem oceny</a:t>
+            </a:r>
+          </a:p>
+          <a:p>
+            <a:pPr marL="391910" indent="-293933">
+              <a:spcAft>
+                <a:spcPts val="1283"/>
+              </a:spcAft>
+              <a:buClr>
+                <a:srgbClr val="EF2929"/>
+              </a:buClr>
+              <a:buSzPct val="45000"/>
+              <a:buFont typeface="Wingdings" charset="2"/>
+              <a:buChar char=""/>
+            </a:pPr>
+            <a:r>
+              <a:rPr lang="pl-PL" sz="2540" spc="-1" dirty="0">
+                <a:latin typeface="Noto Sans Regular"/>
+              </a:rPr>
+              <a:t>Stworzenie </a:t>
+            </a:r>
+            <a:r>
+              <a:rPr lang="pl-PL" sz="2540" i="1" spc="-1" dirty="0" err="1">
+                <a:latin typeface="Noto Sans Regular"/>
+              </a:rPr>
+              <a:t>dummy</a:t>
+            </a:r>
+            <a:r>
+              <a:rPr lang="pl-PL" sz="2540" i="1" spc="-1" dirty="0">
+                <a:latin typeface="Noto Sans Regular"/>
+              </a:rPr>
+              <a:t> </a:t>
+            </a:r>
+            <a:r>
+              <a:rPr lang="pl-PL" sz="2540" i="1" spc="-1" dirty="0" err="1">
+                <a:latin typeface="Noto Sans Regular"/>
+              </a:rPr>
+              <a:t>variables</a:t>
+            </a:r>
+            <a:r>
+              <a:rPr lang="pl-PL" sz="2540" i="1" spc="-1" dirty="0">
+                <a:latin typeface="Noto Sans Regular"/>
+              </a:rPr>
+              <a:t> </a:t>
+            </a:r>
+            <a:r>
+              <a:rPr lang="pl-PL" sz="2540" spc="-1" dirty="0">
+                <a:latin typeface="Noto Sans Regular"/>
+              </a:rPr>
+              <a:t>ze zmiennych kategorycznych</a:t>
+            </a:r>
+          </a:p>
+          <a:p>
+            <a:pPr marL="391910" indent="-293933">
+              <a:spcAft>
+                <a:spcPts val="1283"/>
+              </a:spcAft>
+              <a:buClr>
+                <a:srgbClr val="EF2929"/>
+              </a:buClr>
+              <a:buSzPct val="45000"/>
+              <a:buFont typeface="Wingdings" charset="2"/>
+              <a:buChar char=""/>
+            </a:pPr>
+            <a:endParaRPr lang="pl-PL" sz="2540" spc="-1" dirty="0">
+              <a:latin typeface="Noto Sans Regular"/>
+            </a:endParaRPr>
+          </a:p>
+          <a:p>
+            <a:pPr marL="391910" indent="-293933">
+              <a:spcAft>
+                <a:spcPts val="1283"/>
+              </a:spcAft>
+              <a:buClr>
+                <a:srgbClr val="EF2929"/>
+              </a:buClr>
+              <a:buSzPct val="45000"/>
+              <a:buFont typeface="Wingdings" charset="2"/>
+              <a:buChar char=""/>
+            </a:pPr>
+            <a:r>
+              <a:rPr lang="pl-PL" sz="2540" spc="-1" dirty="0">
+                <a:latin typeface="Noto Sans Regular"/>
+              </a:rPr>
+              <a:t>Test </a:t>
+            </a:r>
+            <a:r>
+              <a:rPr lang="pl-PL" sz="2540" spc="-1" dirty="0" err="1">
+                <a:latin typeface="Noto Sans Regular"/>
+              </a:rPr>
+              <a:t>Bartlett’a</a:t>
+            </a:r>
+            <a:r>
+              <a:rPr lang="pl-PL" sz="2540" spc="-1" dirty="0">
+                <a:latin typeface="Noto Sans Regular"/>
+              </a:rPr>
+              <a:t>: p-</a:t>
+            </a:r>
+            <a:r>
+              <a:rPr lang="pl-PL" sz="2540" spc="-1" dirty="0" err="1">
+                <a:latin typeface="Noto Sans Regular"/>
+              </a:rPr>
+              <a:t>value</a:t>
+            </a:r>
+            <a:r>
+              <a:rPr lang="pl-PL" sz="2540" spc="-1" dirty="0">
+                <a:latin typeface="Noto Sans Regular"/>
+              </a:rPr>
+              <a:t> = 0.0</a:t>
+            </a:r>
+          </a:p>
+          <a:p>
+            <a:pPr marL="391910" indent="-293933">
+              <a:spcAft>
+                <a:spcPts val="1283"/>
+              </a:spcAft>
+              <a:buClr>
+                <a:srgbClr val="EF2929"/>
+              </a:buClr>
+              <a:buSzPct val="45000"/>
+              <a:buFont typeface="Wingdings" charset="2"/>
+              <a:buChar char=""/>
+            </a:pPr>
+            <a:r>
+              <a:rPr lang="pl-PL" sz="2540" spc="-1" dirty="0">
+                <a:latin typeface="Noto Sans Regular"/>
+              </a:rPr>
+              <a:t>KMO Test: 0.12</a:t>
+            </a:r>
+          </a:p>
+        </p:txBody>
+      </p:sp>
     </p:spTree>
     <p:extLst>
       <p:ext uri="{BB962C8B-B14F-4D97-AF65-F5344CB8AC3E}">
-        <p14:creationId xmlns:p14="http://schemas.microsoft.com/office/powerpoint/2010/main" val="3816568284"/>
+        <p14:creationId xmlns:p14="http://schemas.microsoft.com/office/powerpoint/2010/main" val="617460342"/>
       </p:ext>
     </p:extLst>
   </p:cSld>
@@ -9256,6 +8998,118 @@
       </p:grpSpPr>
       <p:sp>
         <p:nvSpPr>
+          <p:cNvPr id="87" name="TextShape 1"/>
+          <p:cNvSpPr txBox="1"/>
+          <p:nvPr/>
+        </p:nvSpPr>
+        <p:spPr>
+          <a:xfrm>
+            <a:off x="2176691" y="273026"/>
+            <a:ext cx="8033676" cy="1145335"/>
+          </a:xfrm>
+          <a:prstGeom prst="rect">
+            <a:avLst/>
+          </a:prstGeom>
+          <a:noFill/>
+          <a:ln>
+            <a:noFill/>
+          </a:ln>
+        </p:spPr>
+        <p:txBody>
+          <a:bodyPr lIns="0" tIns="0" rIns="0" bIns="0" anchor="ctr"/>
+          <a:lstStyle/>
+          <a:p>
+            <a:r>
+              <a:rPr lang="pl-PL" sz="3992" b="1" spc="-1">
+                <a:latin typeface="Noto Sans Regular"/>
+              </a:rPr>
+              <a:t>Liczba czynników</a:t>
+            </a:r>
+          </a:p>
+        </p:txBody>
+      </p:sp>
+      <p:pic>
+        <p:nvPicPr>
+          <p:cNvPr id="88" name="Obraz 87"/>
+          <p:cNvPicPr/>
+          <p:nvPr/>
+        </p:nvPicPr>
+        <p:blipFill>
+          <a:blip r:embed="rId2"/>
+          <a:stretch/>
+        </p:blipFill>
+        <p:spPr>
+          <a:xfrm>
+            <a:off x="2503277" y="1513071"/>
+            <a:ext cx="6792978" cy="4604855"/>
+          </a:xfrm>
+          <a:prstGeom prst="rect">
+            <a:avLst/>
+          </a:prstGeom>
+          <a:ln>
+            <a:noFill/>
+          </a:ln>
+        </p:spPr>
+      </p:pic>
+    </p:spTree>
+    <p:extLst>
+      <p:ext uri="{BB962C8B-B14F-4D97-AF65-F5344CB8AC3E}">
+        <p14:creationId xmlns:p14="http://schemas.microsoft.com/office/powerpoint/2010/main" val="3816568284"/>
+      </p:ext>
+    </p:extLst>
+  </p:cSld>
+  <p:clrMapOvr>
+    <a:masterClrMapping/>
+  </p:clrMapOvr>
+  <p:timing>
+    <p:tnLst>
+      <p:par>
+        <p:cTn id="1" dur="indefinite" restart="never" nodeType="tmRoot">
+          <p:childTnLst>
+            <p:seq>
+              <p:cTn id="2" dur="indefinite" nodeType="mainSeq"/>
+              <p:prevCondLst>
+                <p:cond evt="onPrev" delay="0">
+                  <p:tgtEl>
+                    <p:sldTgt/>
+                  </p:tgtEl>
+                </p:cond>
+              </p:prevCondLst>
+              <p:nextCondLst>
+                <p:cond evt="onNext" delay="0">
+                  <p:tgtEl>
+                    <p:sldTgt/>
+                  </p:tgtEl>
+                </p:cond>
+              </p:nextCondLst>
+            </p:seq>
+          </p:childTnLst>
+        </p:cTn>
+      </p:par>
+    </p:tnLst>
+  </p:timing>
+</p:sld>
+</file>
+
+<file path=ppt/slides/slide27.xml><?xml version="1.0" encoding="utf-8"?>
+<p:sld xmlns:a="http://schemas.openxmlformats.org/drawingml/2006/main" xmlns:r="http://schemas.openxmlformats.org/officeDocument/2006/relationships" xmlns:p="http://schemas.openxmlformats.org/presentationml/2006/main">
+  <p:cSld>
+    <p:spTree>
+      <p:nvGrpSpPr>
+        <p:cNvPr id="1" name=""/>
+        <p:cNvGrpSpPr/>
+        <p:nvPr/>
+      </p:nvGrpSpPr>
+      <p:grpSpPr>
+        <a:xfrm>
+          <a:off x="0" y="0"/>
+          <a:ext cx="0" cy="0"/>
+          <a:chOff x="0" y="0"/>
+          <a:chExt cx="0" cy="0"/>
+        </a:xfrm>
+      </p:grpSpPr>
+      <p:sp>
+        <p:nvSpPr>
           <p:cNvPr id="89" name="TextShape 1"/>
           <p:cNvSpPr txBox="1"/>
           <p:nvPr/>
@@ -9322,7 +9176,7 @@
 </p:sld>
 </file>
 
-<file path=ppt/slides/slide27.xml><?xml version="1.0" encoding="utf-8"?>
+<file path=ppt/slides/slide28.xml><?xml version="1.0" encoding="utf-8"?>
 <p:sld xmlns:a="http://schemas.openxmlformats.org/drawingml/2006/main" xmlns:r="http://schemas.openxmlformats.org/officeDocument/2006/relationships" xmlns:p="http://schemas.openxmlformats.org/presentationml/2006/main">
   <p:cSld>
     <p:spTree>
@@ -9440,10 +9294,9 @@
           <a:lstStyle/>
           <a:p>
             <a:r>
-              <a:rPr lang="pl-PL" dirty="0" smtClean="0"/>
+              <a:rPr lang="pl-PL" dirty="0"/>
               <a:t>PLAN :</a:t>
             </a:r>
-            <a:endParaRPr lang="pl-PL" dirty="0"/>
           </a:p>
         </p:txBody>
       </p:sp>
@@ -9471,21 +9324,21 @@
           <a:p>
             <a:pPr fontAlgn="base"/>
             <a:r>
-              <a:rPr lang="pl-PL" dirty="0" smtClean="0"/>
+              <a:rPr lang="pl-PL" dirty="0"/>
               <a:t>ANALIZA DANYCH LICZBOWYCH</a:t>
             </a:r>
           </a:p>
           <a:p>
             <a:pPr fontAlgn="base"/>
             <a:r>
-              <a:rPr lang="pl-PL" dirty="0" smtClean="0"/>
+              <a:rPr lang="pl-PL" dirty="0"/>
               <a:t>ANALIZA KOMENTARZY</a:t>
             </a:r>
           </a:p>
           <a:p>
             <a:pPr fontAlgn="base"/>
             <a:r>
-              <a:rPr lang="pl-PL" dirty="0" smtClean="0"/>
+              <a:rPr lang="pl-PL" dirty="0"/>
               <a:t>ANALIZA CZYNNIKOWA</a:t>
             </a:r>
             <a:endParaRPr lang="en-US" dirty="0"/>
@@ -9494,13 +9347,13 @@
             <a:pPr marL="0" indent="0">
               <a:buNone/>
             </a:pPr>
-            <a:endParaRPr lang="pl-PL" dirty="0" smtClean="0"/>
-          </a:p>
-          <a:p>
-            <a:endParaRPr lang="pl-PL" dirty="0" smtClean="0"/>
-          </a:p>
-          <a:p>
-            <a:endParaRPr lang="pl-PL" dirty="0" smtClean="0"/>
+            <a:endParaRPr lang="pl-PL" dirty="0"/>
+          </a:p>
+          <a:p>
+            <a:endParaRPr lang="pl-PL" dirty="0"/>
+          </a:p>
+          <a:p>
+            <a:endParaRPr lang="pl-PL" dirty="0"/>
           </a:p>
         </p:txBody>
       </p:sp>
@@ -9514,13 +9367,6 @@
   <p:clrMapOvr>
     <a:masterClrMapping/>
   </p:clrMapOvr>
-  <p:timing>
-    <p:tnLst>
-      <p:par>
-        <p:cTn id="1" dur="indefinite" restart="never" nodeType="tmRoot"/>
-      </p:par>
-    </p:tnLst>
-  </p:timing>
 </p:sld>
 </file>
 
@@ -9563,10 +9409,9 @@
           <a:p>
             <a:pPr algn="ctr"/>
             <a:r>
-              <a:rPr lang="pl-PL" dirty="0" smtClean="0"/>
+              <a:rPr lang="pl-PL" dirty="0"/>
               <a:t>PODSTAWOWE DANE STATYSTYCZNE</a:t>
             </a:r>
-            <a:endParaRPr lang="pl-PL" dirty="0"/>
           </a:p>
         </p:txBody>
       </p:sp>
@@ -9604,13 +9449,6 @@
   <p:clrMapOvr>
     <a:masterClrMapping/>
   </p:clrMapOvr>
-  <p:timing>
-    <p:tnLst>
-      <p:par>
-        <p:cTn id="1" dur="indefinite" restart="never" nodeType="tmRoot"/>
-      </p:par>
-    </p:tnLst>
-  </p:timing>
 </p:sld>
 </file>
 
@@ -9653,10 +9491,9 @@
           <a:p>
             <a:pPr algn="ctr"/>
             <a:r>
-              <a:rPr lang="pl-PL" dirty="0" smtClean="0"/>
+              <a:rPr lang="pl-PL" dirty="0"/>
               <a:t>KORELACJA</a:t>
             </a:r>
-            <a:endParaRPr lang="pl-PL" dirty="0"/>
           </a:p>
         </p:txBody>
       </p:sp>
@@ -9694,13 +9531,6 @@
   <p:clrMapOvr>
     <a:masterClrMapping/>
   </p:clrMapOvr>
-  <p:timing>
-    <p:tnLst>
-      <p:par>
-        <p:cTn id="1" dur="indefinite" restart="never" nodeType="tmRoot"/>
-      </p:par>
-    </p:tnLst>
-  </p:timing>
 </p:sld>
 </file>
 
@@ -9743,10 +9573,9 @@
           <a:p>
             <a:pPr algn="ctr"/>
             <a:r>
-              <a:rPr lang="pl-PL" dirty="0" smtClean="0"/>
+              <a:rPr lang="pl-PL" dirty="0"/>
               <a:t>Kilka słów o wieku</a:t>
             </a:r>
-            <a:endParaRPr lang="pl-PL" dirty="0"/>
           </a:p>
         </p:txBody>
       </p:sp>
@@ -9808,13 +9637,6 @@
   <p:clrMapOvr>
     <a:masterClrMapping/>
   </p:clrMapOvr>
-  <p:timing>
-    <p:tnLst>
-      <p:par>
-        <p:cTn id="1" dur="indefinite" restart="never" nodeType="tmRoot"/>
-      </p:par>
-    </p:tnLst>
-  </p:timing>
 </p:sld>
 </file>
 
@@ -9857,10 +9679,9 @@
           <a:p>
             <a:pPr algn="ctr"/>
             <a:r>
-              <a:rPr lang="pl-PL" dirty="0" smtClean="0"/>
+              <a:rPr lang="pl-PL" dirty="0"/>
               <a:t>Kilka słów o wieku</a:t>
             </a:r>
-            <a:endParaRPr lang="pl-PL" dirty="0"/>
           </a:p>
         </p:txBody>
       </p:sp>
@@ -9922,13 +9743,6 @@
   <p:clrMapOvr>
     <a:masterClrMapping/>
   </p:clrMapOvr>
-  <p:timing>
-    <p:tnLst>
-      <p:par>
-        <p:cTn id="1" dur="indefinite" restart="never" nodeType="tmRoot"/>
-      </p:par>
-    </p:tnLst>
-  </p:timing>
 </p:sld>
 </file>
 
@@ -9971,10 +9785,9 @@
           <a:p>
             <a:pPr algn="ctr"/>
             <a:r>
-              <a:rPr lang="pl-PL" dirty="0" smtClean="0"/>
+              <a:rPr lang="pl-PL" dirty="0"/>
               <a:t>Rating jako miara zadowolenia</a:t>
             </a:r>
-            <a:endParaRPr lang="pl-PL" dirty="0"/>
           </a:p>
         </p:txBody>
       </p:sp>
@@ -10036,13 +9849,6 @@
   <p:clrMapOvr>
     <a:masterClrMapping/>
   </p:clrMapOvr>
-  <p:timing>
-    <p:tnLst>
-      <p:par>
-        <p:cTn id="1" dur="indefinite" restart="never" nodeType="tmRoot"/>
-      </p:par>
-    </p:tnLst>
-  </p:timing>
 </p:sld>
 </file>
 
@@ -10085,10 +9891,9 @@
           <a:p>
             <a:pPr algn="ctr"/>
             <a:r>
-              <a:rPr lang="pl-PL" dirty="0" smtClean="0"/>
+              <a:rPr lang="pl-PL" dirty="0"/>
               <a:t>Rating a wiek</a:t>
             </a:r>
-            <a:endParaRPr lang="pl-PL" dirty="0"/>
           </a:p>
         </p:txBody>
       </p:sp>
@@ -10150,13 +9955,6 @@
   <p:clrMapOvr>
     <a:masterClrMapping/>
   </p:clrMapOvr>
-  <p:timing>
-    <p:tnLst>
-      <p:par>
-        <p:cTn id="1" dur="indefinite" restart="never" nodeType="tmRoot"/>
-      </p:par>
-    </p:tnLst>
-  </p:timing>
 </p:sld>
 </file>
 
